--- a/game-concept.pptx
+++ b/game-concept.pptx
@@ -8,14 +8,15 @@
     <p:sldId id="256" r:id="rId2"/>
     <p:sldId id="257" r:id="rId3"/>
     <p:sldId id="258" r:id="rId4"/>
-    <p:sldId id="259" r:id="rId5"/>
-    <p:sldId id="266" r:id="rId6"/>
+    <p:sldId id="267" r:id="rId5"/>
+    <p:sldId id="259" r:id="rId6"/>
     <p:sldId id="265" r:id="rId7"/>
-    <p:sldId id="263" r:id="rId8"/>
-    <p:sldId id="264" r:id="rId9"/>
-    <p:sldId id="260" r:id="rId10"/>
-    <p:sldId id="261" r:id="rId11"/>
-    <p:sldId id="262" r:id="rId12"/>
+    <p:sldId id="266" r:id="rId8"/>
+    <p:sldId id="263" r:id="rId9"/>
+    <p:sldId id="264" r:id="rId10"/>
+    <p:sldId id="260" r:id="rId11"/>
+    <p:sldId id="261" r:id="rId12"/>
+    <p:sldId id="262" r:id="rId13"/>
   </p:sldIdLst>
   <p:sldSz cx="12192000" cy="6858000"/>
   <p:notesSz cx="6858000" cy="9144000"/>
@@ -4419,6 +4420,179 @@
         <p:spPr>
           <a:xfrm>
             <a:off x="838200" y="365125"/>
+            <a:ext cx="10515600" cy="741299"/>
+          </a:xfrm>
+        </p:spPr>
+        <p:txBody>
+          <a:bodyPr anchor="t">
+            <a:normAutofit/>
+          </a:bodyPr>
+          <a:lstStyle/>
+          <a:p>
+            <a:r>
+              <a:rPr lang="nl-NL" sz="3200" b="1" dirty="0" smtClean="0">
+                <a:latin typeface="Futura Std Medium" panose="020B0502020204020303" pitchFamily="34" charset="0"/>
+              </a:rPr>
+              <a:t>PROTOTYPE PROCCESS</a:t>
+            </a:r>
+            <a:endParaRPr lang="en-GB" sz="3200" b="1" dirty="0">
+              <a:latin typeface="Futura Std Medium" panose="020B0502020204020303" pitchFamily="34" charset="0"/>
+            </a:endParaRPr>
+          </a:p>
+        </p:txBody>
+      </p:sp>
+      <p:sp>
+        <p:nvSpPr>
+          <p:cNvPr id="3" name="Tijdelijke aanduiding voor inhoud 2"/>
+          <p:cNvSpPr>
+            <a:spLocks noGrp="1"/>
+          </p:cNvSpPr>
+          <p:nvPr>
+            <p:ph idx="1"/>
+          </p:nvPr>
+        </p:nvSpPr>
+        <p:spPr>
+          <a:xfrm>
+            <a:off x="838200" y="1377569"/>
+            <a:ext cx="10515600" cy="4351338"/>
+          </a:xfrm>
+        </p:spPr>
+        <p:txBody>
+          <a:bodyPr/>
+          <a:lstStyle/>
+          <a:p>
+            <a:r>
+              <a:rPr lang="en-GB" sz="2000" b="1" dirty="0" smtClean="0">
+                <a:latin typeface="Futura Std Medium" panose="020B0502020204020303" pitchFamily="34" charset="0"/>
+              </a:rPr>
+              <a:t>Paper prototype</a:t>
+            </a:r>
+            <a:endParaRPr lang="en-GB" sz="2000" dirty="0" smtClean="0">
+              <a:latin typeface="Futura Std Medium" panose="020B0502020204020303" pitchFamily="34" charset="0"/>
+            </a:endParaRPr>
+          </a:p>
+          <a:p>
+            <a:endParaRPr lang="en-GB" sz="2000" dirty="0">
+              <a:latin typeface="Futura Std Medium" panose="020B0502020204020303" pitchFamily="34" charset="0"/>
+            </a:endParaRPr>
+          </a:p>
+          <a:p>
+            <a:r>
+              <a:rPr lang="en-GB" sz="2000" b="1" dirty="0" smtClean="0">
+                <a:latin typeface="Futura Std Medium" panose="020B0502020204020303" pitchFamily="34" charset="0"/>
+              </a:rPr>
+              <a:t>One city</a:t>
+            </a:r>
+            <a:endParaRPr lang="en-GB" sz="2000" dirty="0" smtClean="0">
+              <a:latin typeface="Futura Std Medium" panose="020B0502020204020303" pitchFamily="34" charset="0"/>
+            </a:endParaRPr>
+          </a:p>
+          <a:p>
+            <a:endParaRPr lang="en-GB" sz="2000" dirty="0">
+              <a:latin typeface="Futura Std Medium" panose="020B0502020204020303" pitchFamily="34" charset="0"/>
+            </a:endParaRPr>
+          </a:p>
+          <a:p>
+            <a:r>
+              <a:rPr lang="en-GB" sz="2000" b="1" dirty="0" smtClean="0">
+                <a:latin typeface="Futura Std Medium" panose="020B0502020204020303" pitchFamily="34" charset="0"/>
+              </a:rPr>
+              <a:t>Pawns </a:t>
+            </a:r>
+            <a:r>
+              <a:rPr lang="en-GB" sz="2000" dirty="0" smtClean="0">
+                <a:latin typeface="Futura Std Medium" panose="020B0502020204020303" pitchFamily="34" charset="0"/>
+              </a:rPr>
+              <a:t>as characters</a:t>
+            </a:r>
+          </a:p>
+          <a:p>
+            <a:endParaRPr lang="en-GB" sz="2000" dirty="0">
+              <a:latin typeface="Futura Std Medium" panose="020B0502020204020303" pitchFamily="34" charset="0"/>
+            </a:endParaRPr>
+          </a:p>
+          <a:p>
+            <a:r>
+              <a:rPr lang="en-GB" sz="2000" b="1" dirty="0" smtClean="0">
+                <a:latin typeface="Futura Std Medium" panose="020B0502020204020303" pitchFamily="34" charset="0"/>
+              </a:rPr>
+              <a:t>Dialogue </a:t>
+            </a:r>
+            <a:r>
+              <a:rPr lang="en-GB" sz="2000" dirty="0" smtClean="0">
+                <a:latin typeface="Futura Std Medium" panose="020B0502020204020303" pitchFamily="34" charset="0"/>
+              </a:rPr>
+              <a:t>cards</a:t>
+            </a:r>
+          </a:p>
+          <a:p>
+            <a:endParaRPr lang="en-GB" dirty="0"/>
+          </a:p>
+          <a:p>
+            <a:endParaRPr lang="en-GB" dirty="0" smtClean="0"/>
+          </a:p>
+        </p:txBody>
+      </p:sp>
+    </p:spTree>
+    <p:extLst>
+      <p:ext uri="{BB962C8B-B14F-4D97-AF65-F5344CB8AC3E}">
+        <p14:creationId xmlns:p14="http://schemas.microsoft.com/office/powerpoint/2010/main" val="3529057180"/>
+      </p:ext>
+    </p:extLst>
+  </p:cSld>
+  <p:clrMapOvr>
+    <a:masterClrMapping/>
+  </p:clrMapOvr>
+  <p:timing>
+    <p:tnLst>
+      <p:par>
+        <p:cTn id="1" dur="indefinite" restart="never" nodeType="tmRoot"/>
+      </p:par>
+    </p:tnLst>
+  </p:timing>
+</p:sld>
+</file>
+
+<file path=ppt/slides/slide11.xml><?xml version="1.0" encoding="utf-8"?>
+<p:sld xmlns:a="http://schemas.openxmlformats.org/drawingml/2006/main" xmlns:r="http://schemas.openxmlformats.org/officeDocument/2006/relationships" xmlns:p="http://schemas.openxmlformats.org/presentationml/2006/main">
+  <p:cSld>
+    <p:bg>
+      <p:bgPr>
+        <a:solidFill>
+          <a:schemeClr val="bg1">
+            <a:lumMod val="95000"/>
+          </a:schemeClr>
+        </a:solidFill>
+        <a:effectLst/>
+      </p:bgPr>
+    </p:bg>
+    <p:spTree>
+      <p:nvGrpSpPr>
+        <p:cNvPr id="1" name=""/>
+        <p:cNvGrpSpPr/>
+        <p:nvPr/>
+      </p:nvGrpSpPr>
+      <p:grpSpPr>
+        <a:xfrm>
+          <a:off x="0" y="0"/>
+          <a:ext cx="0" cy="0"/>
+          <a:chOff x="0" y="0"/>
+          <a:chExt cx="0" cy="0"/>
+        </a:xfrm>
+      </p:grpSpPr>
+      <p:sp>
+        <p:nvSpPr>
+          <p:cNvPr id="2" name="Titel 1"/>
+          <p:cNvSpPr>
+            <a:spLocks noGrp="1"/>
+          </p:cNvSpPr>
+          <p:nvPr>
+            <p:ph type="title"/>
+          </p:nvPr>
+        </p:nvSpPr>
+        <p:spPr>
+          <a:xfrm>
+            <a:off x="838200" y="365125"/>
             <a:ext cx="10515600" cy="704723"/>
           </a:xfrm>
         </p:spPr>
@@ -4466,8 +4640,64 @@
               <a:rPr lang="en-GB" sz="2000" dirty="0" smtClean="0">
                 <a:latin typeface="Futura Std Medium" panose="020B0502020204020303" pitchFamily="34" charset="0"/>
               </a:rPr>
-              <a:t>Text here</a:t>
-            </a:r>
+              <a:t>Main purpose – cultural awareness</a:t>
+            </a:r>
+          </a:p>
+          <a:p>
+            <a:endParaRPr lang="en-GB" sz="2000" dirty="0">
+              <a:latin typeface="Futura Std Medium" panose="020B0502020204020303" pitchFamily="34" charset="0"/>
+            </a:endParaRPr>
+          </a:p>
+          <a:p>
+            <a:r>
+              <a:rPr lang="en-GB" sz="2000" dirty="0" smtClean="0">
+                <a:latin typeface="Futura Std Medium" panose="020B0502020204020303" pitchFamily="34" charset="0"/>
+              </a:rPr>
+              <a:t>Focused on the freedom of choice</a:t>
+            </a:r>
+          </a:p>
+          <a:p>
+            <a:endParaRPr lang="en-GB" sz="2000" dirty="0">
+              <a:latin typeface="Futura Std Medium" panose="020B0502020204020303" pitchFamily="34" charset="0"/>
+            </a:endParaRPr>
+          </a:p>
+          <a:p>
+            <a:r>
+              <a:rPr lang="en-GB" sz="2000" dirty="0" smtClean="0">
+                <a:latin typeface="Futura Std Medium" panose="020B0502020204020303" pitchFamily="34" charset="0"/>
+              </a:rPr>
+              <a:t>Rewarding </a:t>
+            </a:r>
+          </a:p>
+          <a:p>
+            <a:endParaRPr lang="en-GB" sz="2000" dirty="0">
+              <a:latin typeface="Futura Std Medium" panose="020B0502020204020303" pitchFamily="34" charset="0"/>
+            </a:endParaRPr>
+          </a:p>
+          <a:p>
+            <a:r>
+              <a:rPr lang="en-GB" sz="2000" dirty="0" smtClean="0">
+                <a:latin typeface="Futura Std Medium" panose="020B0502020204020303" pitchFamily="34" charset="0"/>
+              </a:rPr>
+              <a:t>Engage players to think</a:t>
+            </a:r>
+          </a:p>
+          <a:p>
+            <a:endParaRPr lang="en-GB" sz="2000" dirty="0">
+              <a:latin typeface="Futura Std Medium" panose="020B0502020204020303" pitchFamily="34" charset="0"/>
+            </a:endParaRPr>
+          </a:p>
+          <a:p>
+            <a:endParaRPr lang="en-GB" sz="2000" dirty="0" smtClean="0">
+              <a:latin typeface="Futura Std Medium" panose="020B0502020204020303" pitchFamily="34" charset="0"/>
+            </a:endParaRPr>
+          </a:p>
+          <a:p>
+            <a:endParaRPr lang="en-GB" sz="2000" dirty="0">
+              <a:latin typeface="Futura Std Medium" panose="020B0502020204020303" pitchFamily="34" charset="0"/>
+            </a:endParaRPr>
+          </a:p>
+          <a:p>
             <a:endParaRPr lang="en-GB" sz="2000" dirty="0">
               <a:latin typeface="Futura Std Medium" panose="020B0502020204020303" pitchFamily="34" charset="0"/>
             </a:endParaRPr>
@@ -4494,7 +4724,7 @@
 </p:sld>
 </file>
 
-<file path=ppt/slides/slide11.xml><?xml version="1.0" encoding="utf-8"?>
+<file path=ppt/slides/slide12.xml><?xml version="1.0" encoding="utf-8"?>
 <p:sld xmlns:a="http://schemas.openxmlformats.org/drawingml/2006/main" xmlns:r="http://schemas.openxmlformats.org/officeDocument/2006/relationships" xmlns:p="http://schemas.openxmlformats.org/presentationml/2006/main">
   <p:cSld>
     <p:bg>
@@ -5394,95 +5624,116 @@
         </p:nvSpPr>
         <p:spPr>
           <a:xfrm>
-            <a:off x="838200" y="1265073"/>
-            <a:ext cx="10515600" cy="4885470"/>
+            <a:off x="838200" y="1231516"/>
+            <a:ext cx="10515600" cy="5504844"/>
           </a:xfrm>
         </p:spPr>
         <p:txBody>
           <a:bodyPr>
-            <a:normAutofit/>
+            <a:noAutofit/>
           </a:bodyPr>
           <a:lstStyle/>
           <a:p>
             <a:r>
-              <a:rPr lang="nl-NL" sz="2000" dirty="0" smtClean="0">
+              <a:rPr lang="nl-NL" sz="1800" dirty="0" smtClean="0">
                 <a:latin typeface="Futura Std Medium" panose="020B0502020204020303" pitchFamily="34" charset="0"/>
               </a:rPr>
               <a:t>Problem definition</a:t>
             </a:r>
-            <a:endParaRPr lang="nl-NL" sz="2000" dirty="0">
-              <a:latin typeface="Futura Std Medium" panose="020B0502020204020303" pitchFamily="34" charset="0"/>
-            </a:endParaRPr>
-          </a:p>
-          <a:p>
-            <a:endParaRPr lang="nl-NL" sz="2000" dirty="0" smtClean="0">
-              <a:latin typeface="Futura Std Medium" panose="020B0502020204020303" pitchFamily="34" charset="0"/>
-            </a:endParaRPr>
-          </a:p>
-          <a:p>
-            <a:r>
-              <a:rPr lang="nl-NL" sz="2000" dirty="0" smtClean="0">
+            <a:endParaRPr lang="nl-NL" sz="1800" dirty="0">
+              <a:latin typeface="Futura Std Medium" panose="020B0502020204020303" pitchFamily="34" charset="0"/>
+            </a:endParaRPr>
+          </a:p>
+          <a:p>
+            <a:endParaRPr lang="nl-NL" sz="1600" dirty="0" smtClean="0">
+              <a:latin typeface="Futura Std Medium" panose="020B0502020204020303" pitchFamily="34" charset="0"/>
+            </a:endParaRPr>
+          </a:p>
+          <a:p>
+            <a:r>
+              <a:rPr lang="nl-NL" sz="1800" dirty="0" smtClean="0">
                 <a:latin typeface="Futura Std Medium" panose="020B0502020204020303" pitchFamily="34" charset="0"/>
               </a:rPr>
               <a:t>Concept</a:t>
             </a:r>
           </a:p>
           <a:p>
-            <a:endParaRPr lang="nl-NL" sz="2000" dirty="0" smtClean="0">
-              <a:latin typeface="Futura Std Medium" panose="020B0502020204020303" pitchFamily="34" charset="0"/>
-            </a:endParaRPr>
-          </a:p>
-          <a:p>
-            <a:r>
-              <a:rPr lang="nl-NL" sz="2000" dirty="0" smtClean="0">
+            <a:endParaRPr lang="nl-NL" sz="1600" dirty="0" smtClean="0">
+              <a:latin typeface="Futura Std Medium" panose="020B0502020204020303" pitchFamily="34" charset="0"/>
+            </a:endParaRPr>
+          </a:p>
+          <a:p>
+            <a:r>
+              <a:rPr lang="nl-NL" sz="1800" dirty="0" smtClean="0">
                 <a:latin typeface="Futura Std Medium" panose="020B0502020204020303" pitchFamily="34" charset="0"/>
               </a:rPr>
               <a:t>Culture</a:t>
             </a:r>
           </a:p>
           <a:p>
-            <a:endParaRPr lang="en-GB" sz="2000" dirty="0" smtClean="0">
-              <a:latin typeface="Futura Std Medium" panose="020B0502020204020303" pitchFamily="34" charset="0"/>
-            </a:endParaRPr>
-          </a:p>
-          <a:p>
-            <a:r>
-              <a:rPr lang="en-GB" sz="2000" dirty="0" smtClean="0">
+            <a:endParaRPr lang="nl-NL" sz="1600" dirty="0">
+              <a:latin typeface="Futura Std Medium" panose="020B0502020204020303" pitchFamily="34" charset="0"/>
+            </a:endParaRPr>
+          </a:p>
+          <a:p>
+            <a:r>
+              <a:rPr lang="nl-NL" sz="1800" dirty="0" smtClean="0">
+                <a:latin typeface="Futura Std Medium" panose="020B0502020204020303" pitchFamily="34" charset="0"/>
+              </a:rPr>
+              <a:t>Mechanics</a:t>
+            </a:r>
+          </a:p>
+          <a:p>
+            <a:endParaRPr lang="en-GB" sz="1600" dirty="0" smtClean="0">
+              <a:latin typeface="Futura Std Medium" panose="020B0502020204020303" pitchFamily="34" charset="0"/>
+            </a:endParaRPr>
+          </a:p>
+          <a:p>
+            <a:r>
+              <a:rPr lang="en-GB" sz="1800" dirty="0" smtClean="0">
                 <a:latin typeface="Futura Std Medium" panose="020B0502020204020303" pitchFamily="34" charset="0"/>
               </a:rPr>
               <a:t>Iteration process</a:t>
             </a:r>
           </a:p>
           <a:p>
-            <a:endParaRPr lang="nl-NL" sz="2000" dirty="0" smtClean="0">
-              <a:latin typeface="Futura Std Medium" panose="020B0502020204020303" pitchFamily="34" charset="0"/>
-            </a:endParaRPr>
-          </a:p>
-          <a:p>
-            <a:r>
-              <a:rPr lang="nl-NL" sz="2000" dirty="0" smtClean="0">
+            <a:endParaRPr lang="en-GB" sz="1800" dirty="0">
+              <a:latin typeface="Futura Std Medium" panose="020B0502020204020303" pitchFamily="34" charset="0"/>
+            </a:endParaRPr>
+          </a:p>
+          <a:p>
+            <a:r>
+              <a:rPr lang="en-GB" sz="1800" dirty="0" smtClean="0">
+                <a:latin typeface="Futura Std Medium" panose="020B0502020204020303" pitchFamily="34" charset="0"/>
+              </a:rPr>
+              <a:t>Prototype process</a:t>
+            </a:r>
+          </a:p>
+          <a:p>
+            <a:endParaRPr lang="nl-NL" sz="1600" dirty="0" smtClean="0">
+              <a:latin typeface="Futura Std Medium" panose="020B0502020204020303" pitchFamily="34" charset="0"/>
+            </a:endParaRPr>
+          </a:p>
+          <a:p>
+            <a:r>
+              <a:rPr lang="nl-NL" sz="1800" dirty="0" smtClean="0">
                 <a:latin typeface="Futura Std Medium" panose="020B0502020204020303" pitchFamily="34" charset="0"/>
               </a:rPr>
               <a:t>Conclusion </a:t>
             </a:r>
           </a:p>
           <a:p>
-            <a:endParaRPr lang="nl-NL" sz="2000" dirty="0" smtClean="0">
-              <a:latin typeface="Futura Std Medium" panose="020B0502020204020303" pitchFamily="34" charset="0"/>
-            </a:endParaRPr>
-          </a:p>
-          <a:p>
-            <a:r>
-              <a:rPr lang="nl-NL" sz="2000" dirty="0" smtClean="0">
+            <a:endParaRPr lang="nl-NL" sz="1600" dirty="0" smtClean="0">
+              <a:latin typeface="Futura Std Medium" panose="020B0502020204020303" pitchFamily="34" charset="0"/>
+            </a:endParaRPr>
+          </a:p>
+          <a:p>
+            <a:r>
+              <a:rPr lang="nl-NL" sz="1800" dirty="0" smtClean="0">
                 <a:latin typeface="Futura Std Medium" panose="020B0502020204020303" pitchFamily="34" charset="0"/>
               </a:rPr>
               <a:t>Questions</a:t>
             </a:r>
-          </a:p>
-          <a:p>
-            <a:endParaRPr lang="nl-NL" dirty="0" smtClean="0">
-              <a:latin typeface="Futura Std Medium" panose="020B0502020204020303" pitchFamily="34" charset="0"/>
-            </a:endParaRPr>
           </a:p>
         </p:txBody>
       </p:sp>
@@ -5579,8 +5830,8 @@
         </p:nvSpPr>
         <p:spPr>
           <a:xfrm>
-            <a:off x="838200" y="1258194"/>
-            <a:ext cx="10515600" cy="4351338"/>
+            <a:off x="838200" y="1258193"/>
+            <a:ext cx="10515600" cy="5100661"/>
           </a:xfrm>
         </p:spPr>
         <p:txBody>
@@ -5599,17 +5850,27 @@
               <a:rPr lang="nl-NL" sz="2000" dirty="0" smtClean="0">
                 <a:latin typeface="Futura Std Medium" panose="020B0502020204020303" pitchFamily="34" charset="0"/>
               </a:rPr>
-              <a:t> cultural </a:t>
+              <a:t> cultural differences</a:t>
+            </a:r>
+          </a:p>
+          <a:p>
+            <a:endParaRPr lang="nl-NL" sz="2000" b="1" dirty="0" smtClean="0">
+              <a:latin typeface="Futura Std Medium" panose="020B0502020204020303" pitchFamily="34" charset="0"/>
+            </a:endParaRPr>
+          </a:p>
+          <a:p>
+            <a:r>
+              <a:rPr lang="nl-NL" sz="2000" b="1" dirty="0" smtClean="0">
+                <a:latin typeface="Futura Std Medium" panose="020B0502020204020303" pitchFamily="34" charset="0"/>
+              </a:rPr>
+              <a:t>Empathizing</a:t>
             </a:r>
             <a:r>
               <a:rPr lang="nl-NL" sz="2000" dirty="0" smtClean="0">
                 <a:latin typeface="Futura Std Medium" panose="020B0502020204020303" pitchFamily="34" charset="0"/>
               </a:rPr>
-              <a:t>differences</a:t>
-            </a:r>
-            <a:endParaRPr lang="nl-NL" sz="2000" dirty="0" smtClean="0">
-              <a:latin typeface="Futura Std Medium" panose="020B0502020204020303" pitchFamily="34" charset="0"/>
-            </a:endParaRPr>
+              <a:t> with different cultures</a:t>
+            </a:r>
           </a:p>
           <a:p>
             <a:endParaRPr lang="nl-NL" sz="2000" b="1" dirty="0" smtClean="0">
@@ -5621,21 +5882,77 @@
               <a:rPr lang="nl-NL" sz="2000" b="1" dirty="0" smtClean="0">
                 <a:latin typeface="Futura Std Medium" panose="020B0502020204020303" pitchFamily="34" charset="0"/>
               </a:rPr>
-              <a:t>Empathizing</a:t>
+              <a:t>Decision</a:t>
             </a:r>
             <a:r>
               <a:rPr lang="nl-NL" sz="2000" dirty="0" smtClean="0">
                 <a:latin typeface="Futura Std Medium" panose="020B0502020204020303" pitchFamily="34" charset="0"/>
               </a:rPr>
-              <a:t> with different </a:t>
+              <a:t> </a:t>
+            </a:r>
+            <a:r>
+              <a:rPr lang="nl-NL" sz="2000" b="1" dirty="0" smtClean="0">
+                <a:latin typeface="Futura Std Medium" panose="020B0502020204020303" pitchFamily="34" charset="0"/>
+              </a:rPr>
+              <a:t>making</a:t>
             </a:r>
             <a:r>
               <a:rPr lang="nl-NL" sz="2000" dirty="0" smtClean="0">
                 <a:latin typeface="Futura Std Medium" panose="020B0502020204020303" pitchFamily="34" charset="0"/>
               </a:rPr>
-              <a:t>cultures</a:t>
-            </a:r>
-            <a:endParaRPr lang="nl-NL" sz="2000" dirty="0" smtClean="0">
+              <a:t> – right or wrong?</a:t>
+            </a:r>
+          </a:p>
+          <a:p>
+            <a:endParaRPr lang="en-GB" sz="2000" b="1" dirty="0" smtClean="0">
+              <a:latin typeface="Futura Std Medium" panose="020B0502020204020303" pitchFamily="34" charset="0"/>
+            </a:endParaRPr>
+          </a:p>
+          <a:p>
+            <a:r>
+              <a:rPr lang="en-GB" sz="2000" b="1" dirty="0" smtClean="0">
+                <a:latin typeface="Futura Std Medium" panose="020B0502020204020303" pitchFamily="34" charset="0"/>
+              </a:rPr>
+              <a:t>Learning</a:t>
+            </a:r>
+            <a:r>
+              <a:rPr lang="en-GB" sz="2000" dirty="0" smtClean="0">
+                <a:latin typeface="Futura Std Medium" panose="020B0502020204020303" pitchFamily="34" charset="0"/>
+              </a:rPr>
+              <a:t> about </a:t>
+            </a:r>
+            <a:r>
+              <a:rPr lang="en-GB" sz="2000" b="1" dirty="0" smtClean="0">
+                <a:latin typeface="Futura Std Medium" panose="020B0502020204020303" pitchFamily="34" charset="0"/>
+              </a:rPr>
+              <a:t>specifics</a:t>
+            </a:r>
+            <a:r>
+              <a:rPr lang="en-GB" sz="2000" dirty="0" smtClean="0">
+                <a:latin typeface="Futura Std Medium" panose="020B0502020204020303" pitchFamily="34" charset="0"/>
+              </a:rPr>
+              <a:t> for each </a:t>
+            </a:r>
+            <a:r>
+              <a:rPr lang="en-GB" sz="2000" dirty="0" smtClean="0">
+                <a:latin typeface="Futura Std Medium" panose="020B0502020204020303" pitchFamily="34" charset="0"/>
+              </a:rPr>
+              <a:t>culture</a:t>
+            </a:r>
+          </a:p>
+          <a:p>
+            <a:endParaRPr lang="en-GB" sz="2000" dirty="0">
+              <a:latin typeface="Futura Std Medium" panose="020B0502020204020303" pitchFamily="34" charset="0"/>
+            </a:endParaRPr>
+          </a:p>
+          <a:p>
+            <a:r>
+              <a:rPr lang="nl-NL" sz="2000" b="1" dirty="0" smtClean="0">
+                <a:latin typeface="Futura Std Medium" panose="020B0502020204020303" pitchFamily="34" charset="0"/>
+              </a:rPr>
+              <a:t>Breaking Stereotypes</a:t>
+            </a:r>
+            <a:endParaRPr lang="nl-NL" sz="2000" b="1" dirty="0">
               <a:latin typeface="Futura Std Medium" panose="020B0502020204020303" pitchFamily="34" charset="0"/>
             </a:endParaRPr>
           </a:p>
@@ -5649,90 +5966,13 @@
               <a:rPr lang="nl-NL" sz="2000" b="1" dirty="0" smtClean="0">
                 <a:latin typeface="Futura Std Medium" panose="020B0502020204020303" pitchFamily="34" charset="0"/>
               </a:rPr>
-              <a:t>Decision</a:t>
+              <a:t>Defining</a:t>
             </a:r>
             <a:r>
               <a:rPr lang="nl-NL" sz="2000" dirty="0" smtClean="0">
                 <a:latin typeface="Futura Std Medium" panose="020B0502020204020303" pitchFamily="34" charset="0"/>
               </a:rPr>
-              <a:t> </a:t>
-            </a:r>
-            <a:r>
-              <a:rPr lang="nl-NL" sz="2000" b="1" dirty="0" smtClean="0">
-                <a:latin typeface="Futura Std Medium" panose="020B0502020204020303" pitchFamily="34" charset="0"/>
-              </a:rPr>
-              <a:t>making</a:t>
-            </a:r>
-            <a:r>
-              <a:rPr lang="nl-NL" sz="2000" dirty="0" smtClean="0">
-                <a:latin typeface="Futura Std Medium" panose="020B0502020204020303" pitchFamily="34" charset="0"/>
-              </a:rPr>
-              <a:t> – right or wrong?</a:t>
-            </a:r>
-          </a:p>
-          <a:p>
-            <a:endParaRPr lang="en-GB" sz="2000" b="1" dirty="0" smtClean="0">
-              <a:latin typeface="Futura Std Medium" panose="020B0502020204020303" pitchFamily="34" charset="0"/>
-            </a:endParaRPr>
-          </a:p>
-          <a:p>
-            <a:r>
-              <a:rPr lang="en-GB" sz="2000" b="1" dirty="0" smtClean="0">
-                <a:latin typeface="Futura Std Medium" panose="020B0502020204020303" pitchFamily="34" charset="0"/>
-              </a:rPr>
-              <a:t>Learning</a:t>
-            </a:r>
-            <a:r>
-              <a:rPr lang="en-GB" sz="2000" dirty="0" smtClean="0">
-                <a:latin typeface="Futura Std Medium" panose="020B0502020204020303" pitchFamily="34" charset="0"/>
-              </a:rPr>
-              <a:t> about </a:t>
-            </a:r>
-            <a:r>
-              <a:rPr lang="en-GB" sz="2000" b="1" dirty="0" smtClean="0">
-                <a:latin typeface="Futura Std Medium" panose="020B0502020204020303" pitchFamily="34" charset="0"/>
-              </a:rPr>
-              <a:t>specifics</a:t>
-            </a:r>
-            <a:r>
-              <a:rPr lang="en-GB" sz="2000" dirty="0" smtClean="0">
-                <a:latin typeface="Futura Std Medium" panose="020B0502020204020303" pitchFamily="34" charset="0"/>
-              </a:rPr>
-              <a:t> for each </a:t>
-            </a:r>
-            <a:r>
-              <a:rPr lang="en-GB" sz="2000" dirty="0" smtClean="0">
-                <a:latin typeface="Futura Std Medium" panose="020B0502020204020303" pitchFamily="34" charset="0"/>
-              </a:rPr>
-              <a:t>culture</a:t>
-            </a:r>
-            <a:endParaRPr lang="nl-NL" sz="2000" dirty="0">
-              <a:latin typeface="Futura Std Medium" panose="020B0502020204020303" pitchFamily="34" charset="0"/>
-            </a:endParaRPr>
-          </a:p>
-          <a:p>
-            <a:endParaRPr lang="nl-NL" sz="2000" b="1" dirty="0" smtClean="0">
-              <a:latin typeface="Futura Std Medium" panose="020B0502020204020303" pitchFamily="34" charset="0"/>
-            </a:endParaRPr>
-          </a:p>
-          <a:p>
-            <a:r>
-              <a:rPr lang="nl-NL" sz="2000" b="1" dirty="0" smtClean="0">
-                <a:latin typeface="Futura Std Medium" panose="020B0502020204020303" pitchFamily="34" charset="0"/>
-              </a:rPr>
-              <a:t>Defining</a:t>
-            </a:r>
-            <a:r>
-              <a:rPr lang="nl-NL" sz="2000" dirty="0" smtClean="0">
-                <a:latin typeface="Futura Std Medium" panose="020B0502020204020303" pitchFamily="34" charset="0"/>
-              </a:rPr>
-              <a:t> target </a:t>
-            </a:r>
-            <a:r>
-              <a:rPr lang="nl-NL" sz="2000" dirty="0" smtClean="0">
-                <a:latin typeface="Futura Std Medium" panose="020B0502020204020303" pitchFamily="34" charset="0"/>
-              </a:rPr>
-              <a:t>audience</a:t>
+              <a:t> target audience</a:t>
             </a:r>
             <a:endParaRPr lang="en-GB" sz="2000" dirty="0">
               <a:latin typeface="Futura Std Medium" panose="020B0502020204020303" pitchFamily="34" charset="0"/>
@@ -5787,236 +6027,45 @@
           <a:chExt cx="0" cy="0"/>
         </a:xfrm>
       </p:grpSpPr>
-      <p:sp>
-        <p:nvSpPr>
-          <p:cNvPr id="2" name="Titel 1"/>
-          <p:cNvSpPr>
-            <a:spLocks noGrp="1"/>
-          </p:cNvSpPr>
-          <p:nvPr>
-            <p:ph type="title"/>
-          </p:nvPr>
-        </p:nvSpPr>
+      <p:pic>
+        <p:nvPicPr>
+          <p:cNvPr id="4" name="Content Placeholder 3"/>
+          <p:cNvPicPr>
+            <a:picLocks noGrp="1" noChangeAspect="1"/>
+          </p:cNvPicPr>
+          <p:nvPr>
+            <p:ph idx="1"/>
+          </p:nvPr>
+        </p:nvPicPr>
+        <p:blipFill>
+          <a:blip r:embed="rId2">
+            <a:extLst>
+              <a:ext uri="{28A0092B-C50C-407E-A947-70E740481C1C}">
+                <a14:useLocalDpi xmlns:a14="http://schemas.microsoft.com/office/drawing/2010/main" val="0"/>
+              </a:ext>
+            </a:extLst>
+          </a:blip>
+          <a:stretch>
+            <a:fillRect/>
+          </a:stretch>
+        </p:blipFill>
         <p:spPr>
           <a:xfrm>
-            <a:off x="838200" y="365125"/>
-            <a:ext cx="10515600" cy="666721"/>
+            <a:off x="1351053" y="629174"/>
+            <a:ext cx="9470020" cy="5682013"/>
           </a:xfrm>
         </p:spPr>
-        <p:txBody>
-          <a:bodyPr anchor="t">
-            <a:normAutofit/>
-          </a:bodyPr>
-          <a:lstStyle/>
-          <a:p>
-            <a:r>
-              <a:rPr lang="nl-NL" sz="3200" b="1" dirty="0" smtClean="0">
-                <a:latin typeface="Futura Std Medium" panose="020B0502020204020303" pitchFamily="34" charset="0"/>
-              </a:rPr>
-              <a:t>THE CONCEPT</a:t>
-            </a:r>
-            <a:endParaRPr lang="en-GB" sz="3200" b="1" dirty="0">
-              <a:latin typeface="Futura Std Medium" panose="020B0502020204020303" pitchFamily="34" charset="0"/>
-            </a:endParaRPr>
-          </a:p>
-        </p:txBody>
-      </p:sp>
-      <p:sp>
-        <p:nvSpPr>
-          <p:cNvPr id="3" name="Tijdelijke aanduiding voor inhoud 2"/>
-          <p:cNvSpPr>
-            <a:spLocks noGrp="1"/>
-          </p:cNvSpPr>
-          <p:nvPr>
-            <p:ph idx="1"/>
-          </p:nvPr>
-        </p:nvSpPr>
-        <p:spPr>
-          <a:xfrm>
-            <a:off x="838200" y="1263562"/>
-            <a:ext cx="10515600" cy="5305018"/>
-          </a:xfrm>
-        </p:spPr>
-        <p:txBody>
-          <a:bodyPr>
-            <a:noAutofit/>
-          </a:bodyPr>
-          <a:lstStyle/>
-          <a:p>
-            <a:r>
-              <a:rPr lang="nl-NL" sz="2000" b="1" dirty="0" smtClean="0">
-                <a:latin typeface="Futura Std Medium" panose="020B0502020204020303" pitchFamily="34" charset="0"/>
-              </a:rPr>
-              <a:t>Open world </a:t>
-            </a:r>
-            <a:r>
-              <a:rPr lang="nl-NL" sz="2000" dirty="0" smtClean="0">
-                <a:latin typeface="Futura Std Medium" panose="020B0502020204020303" pitchFamily="34" charset="0"/>
-              </a:rPr>
-              <a:t>system</a:t>
-            </a:r>
-          </a:p>
-          <a:p>
-            <a:endParaRPr lang="nl-NL" sz="2000" dirty="0" smtClean="0">
-              <a:latin typeface="Futura Std Medium" panose="020B0502020204020303" pitchFamily="34" charset="0"/>
-            </a:endParaRPr>
-          </a:p>
-          <a:p>
-            <a:r>
-              <a:rPr lang="nl-NL" sz="2000" dirty="0" smtClean="0">
-                <a:latin typeface="Futura Std Medium" panose="020B0502020204020303" pitchFamily="34" charset="0"/>
-              </a:rPr>
-              <a:t>Constantly expanding </a:t>
-            </a:r>
-            <a:r>
-              <a:rPr lang="nl-NL" sz="2000" b="1" dirty="0" smtClean="0">
-                <a:latin typeface="Futura Std Medium" panose="020B0502020204020303" pitchFamily="34" charset="0"/>
-              </a:rPr>
-              <a:t>environment</a:t>
-            </a:r>
-            <a:endParaRPr lang="nl-NL" sz="2000" dirty="0" smtClean="0">
-              <a:latin typeface="Futura Std Medium" panose="020B0502020204020303" pitchFamily="34" charset="0"/>
-            </a:endParaRPr>
-          </a:p>
-          <a:p>
-            <a:endParaRPr lang="nl-NL" sz="2000" dirty="0" smtClean="0">
-              <a:latin typeface="Futura Std Medium" panose="020B0502020204020303" pitchFamily="34" charset="0"/>
-            </a:endParaRPr>
-          </a:p>
-          <a:p>
-            <a:r>
-              <a:rPr lang="nl-NL" sz="2000" b="1" dirty="0" smtClean="0">
-                <a:latin typeface="Futura Std Medium" panose="020B0502020204020303" pitchFamily="34" charset="0"/>
-              </a:rPr>
-              <a:t>Main objective</a:t>
-            </a:r>
-            <a:r>
-              <a:rPr lang="nl-NL" sz="2000" dirty="0" smtClean="0">
-                <a:latin typeface="Futura Std Medium" panose="020B0502020204020303" pitchFamily="34" charset="0"/>
-              </a:rPr>
-              <a:t>: survive for 1 </a:t>
-            </a:r>
-            <a:r>
-              <a:rPr lang="nl-NL" sz="2000" dirty="0" smtClean="0">
-                <a:latin typeface="Futura Std Medium" panose="020B0502020204020303" pitchFamily="34" charset="0"/>
-              </a:rPr>
-              <a:t>day</a:t>
-            </a:r>
-            <a:endParaRPr lang="nl-NL" sz="2000" dirty="0" smtClean="0">
-              <a:latin typeface="Futura Std Medium" panose="020B0502020204020303" pitchFamily="34" charset="0"/>
-            </a:endParaRPr>
-          </a:p>
-          <a:p>
-            <a:endParaRPr lang="nl-NL" sz="2000" dirty="0" smtClean="0">
-              <a:latin typeface="Futura Std Medium" panose="020B0502020204020303" pitchFamily="34" charset="0"/>
-            </a:endParaRPr>
-          </a:p>
-          <a:p>
-            <a:r>
-              <a:rPr lang="nl-NL" sz="2000" b="1" dirty="0" smtClean="0">
-                <a:latin typeface="Futura Std Medium" panose="020B0502020204020303" pitchFamily="34" charset="0"/>
-              </a:rPr>
-              <a:t>Help</a:t>
-            </a:r>
-            <a:r>
-              <a:rPr lang="nl-NL" sz="2000" dirty="0" smtClean="0">
-                <a:latin typeface="Futura Std Medium" panose="020B0502020204020303" pitchFamily="34" charset="0"/>
-              </a:rPr>
-              <a:t> people from other </a:t>
-            </a:r>
-            <a:r>
-              <a:rPr lang="nl-NL" sz="2000" dirty="0" smtClean="0">
-                <a:latin typeface="Futura Std Medium" panose="020B0502020204020303" pitchFamily="34" charset="0"/>
-              </a:rPr>
-              <a:t>cultures</a:t>
-            </a:r>
-            <a:endParaRPr lang="nl-NL" sz="2000" dirty="0" smtClean="0">
-              <a:latin typeface="Futura Std Medium" panose="020B0502020204020303" pitchFamily="34" charset="0"/>
-            </a:endParaRPr>
-          </a:p>
-          <a:p>
-            <a:endParaRPr lang="nl-NL" sz="2000" dirty="0">
-              <a:latin typeface="Futura Std Medium" panose="020B0502020204020303" pitchFamily="34" charset="0"/>
-            </a:endParaRPr>
-          </a:p>
-          <a:p>
-            <a:r>
-              <a:rPr lang="nl-NL" sz="2000" b="1" dirty="0" smtClean="0">
-                <a:latin typeface="Futura Std Medium" panose="020B0502020204020303" pitchFamily="34" charset="0"/>
-              </a:rPr>
-              <a:t>Decision</a:t>
-            </a:r>
-            <a:r>
-              <a:rPr lang="nl-NL" sz="2000" dirty="0" smtClean="0">
-                <a:latin typeface="Futura Std Medium" panose="020B0502020204020303" pitchFamily="34" charset="0"/>
-              </a:rPr>
-              <a:t> based outcomes</a:t>
-            </a:r>
-          </a:p>
-          <a:p>
-            <a:endParaRPr lang="nl-NL" sz="2000" dirty="0">
-              <a:latin typeface="Futura Std Medium" panose="020B0502020204020303" pitchFamily="34" charset="0"/>
-            </a:endParaRPr>
-          </a:p>
-          <a:p>
-            <a:r>
-              <a:rPr lang="nl-NL" sz="2000" dirty="0">
-                <a:latin typeface="Futura Std Medium" panose="020B0502020204020303" pitchFamily="34" charset="0"/>
-              </a:rPr>
-              <a:t>Start as a </a:t>
-            </a:r>
-            <a:r>
-              <a:rPr lang="nl-NL" sz="2000" b="1" dirty="0">
-                <a:latin typeface="Futura Std Medium" panose="020B0502020204020303" pitchFamily="34" charset="0"/>
-              </a:rPr>
-              <a:t>faceless character</a:t>
-            </a:r>
-            <a:r>
-              <a:rPr lang="nl-NL" sz="2000" dirty="0">
-                <a:latin typeface="Futura Std Medium" panose="020B0502020204020303" pitchFamily="34" charset="0"/>
-              </a:rPr>
-              <a:t> with no recollection </a:t>
-            </a:r>
-            <a:r>
-              <a:rPr lang="en-GB" sz="2000" dirty="0">
-                <a:latin typeface="Futura Std Medium" panose="020B0502020204020303" pitchFamily="34" charset="0"/>
-              </a:rPr>
-              <a:t>of </a:t>
-            </a:r>
-            <a:r>
-              <a:rPr lang="en-GB" sz="2000" dirty="0" smtClean="0">
-                <a:latin typeface="Futura Std Medium" panose="020B0502020204020303" pitchFamily="34" charset="0"/>
-              </a:rPr>
-              <a:t>memory</a:t>
-            </a:r>
-            <a:endParaRPr lang="en-GB" sz="2000" dirty="0">
-              <a:latin typeface="Futura Std Medium" panose="020B0502020204020303" pitchFamily="34" charset="0"/>
-            </a:endParaRPr>
-          </a:p>
-          <a:p>
-            <a:endParaRPr lang="nl-NL" sz="2000" dirty="0" smtClean="0">
-              <a:latin typeface="Futura Std Medium" panose="020B0502020204020303" pitchFamily="34" charset="0"/>
-            </a:endParaRPr>
-          </a:p>
-        </p:txBody>
-      </p:sp>
+      </p:pic>
     </p:spTree>
     <p:extLst>
       <p:ext uri="{BB962C8B-B14F-4D97-AF65-F5344CB8AC3E}">
-        <p14:creationId xmlns:p14="http://schemas.microsoft.com/office/powerpoint/2010/main" val="4278955360"/>
+        <p14:creationId xmlns:p14="http://schemas.microsoft.com/office/powerpoint/2010/main" val="234355492"/>
       </p:ext>
     </p:extLst>
   </p:cSld>
   <p:clrMapOvr>
     <a:masterClrMapping/>
   </p:clrMapOvr>
-  <p:timing>
-    <p:tnLst>
-      <p:par>
-        <p:cTn id="1" dur="indefinite" restart="never" nodeType="tmRoot"/>
-      </p:par>
-    </p:tnLst>
-  </p:timing>
 </p:sld>
 </file>
 
@@ -6049,256 +6098,194 @@
       </p:grpSpPr>
       <p:sp>
         <p:nvSpPr>
-          <p:cNvPr id="2" name="TextBox 1"/>
-          <p:cNvSpPr txBox="1"/>
-          <p:nvPr/>
+          <p:cNvPr id="2" name="Titel 1"/>
+          <p:cNvSpPr>
+            <a:spLocks noGrp="1"/>
+          </p:cNvSpPr>
+          <p:nvPr>
+            <p:ph type="title"/>
+          </p:nvPr>
         </p:nvSpPr>
         <p:spPr>
           <a:xfrm>
-            <a:off x="832277" y="1020278"/>
-            <a:ext cx="10626290" cy="4339650"/>
+            <a:off x="838200" y="365125"/>
+            <a:ext cx="10515600" cy="666721"/>
           </a:xfrm>
-          <a:prstGeom prst="rect">
-            <a:avLst/>
-          </a:prstGeom>
-          <a:noFill/>
         </p:spPr>
         <p:txBody>
-          <a:bodyPr wrap="square" rtlCol="0">
-            <a:spAutoFit/>
+          <a:bodyPr anchor="t">
+            <a:normAutofit/>
           </a:bodyPr>
           <a:lstStyle/>
           <a:p>
-            <a:pPr lvl="2"/>
-            <a:endParaRPr lang="nl-NL" sz="1600" dirty="0">
-              <a:latin typeface="Futura Std Medium" panose="020B0502020204020303" pitchFamily="34" charset="0"/>
-            </a:endParaRPr>
-          </a:p>
-          <a:p>
-            <a:pPr marL="342900" indent="-342900">
-              <a:buFont typeface="Arial" panose="020B0604020202020204" pitchFamily="34" charset="0"/>
-              <a:buChar char="•"/>
-            </a:pPr>
-            <a:r>
-              <a:rPr lang="nl-NL" sz="2000" b="1" dirty="0">
-                <a:latin typeface="Futura Std Medium" panose="020B0502020204020303" pitchFamily="34" charset="0"/>
-              </a:rPr>
-              <a:t>Leveling </a:t>
-            </a:r>
-            <a:r>
-              <a:rPr lang="nl-NL" sz="2000" b="1" dirty="0" smtClean="0">
-                <a:latin typeface="Futura Std Medium" panose="020B0502020204020303" pitchFamily="34" charset="0"/>
-              </a:rPr>
-              <a:t>system</a:t>
-            </a:r>
-            <a:endParaRPr lang="nl-NL" sz="2000" b="1" dirty="0">
-              <a:latin typeface="Futura Std Medium" panose="020B0502020204020303" pitchFamily="34" charset="0"/>
-            </a:endParaRPr>
-          </a:p>
-          <a:p>
-            <a:pPr marL="342900" indent="-342900">
-              <a:buFont typeface="Arial" panose="020B0604020202020204" pitchFamily="34" charset="0"/>
-              <a:buChar char="•"/>
-            </a:pPr>
-            <a:endParaRPr lang="nl-NL" sz="2000" dirty="0">
-              <a:latin typeface="Futura Std Medium" panose="020B0502020204020303" pitchFamily="34" charset="0"/>
-            </a:endParaRPr>
-          </a:p>
-          <a:p>
-            <a:pPr marL="342900" indent="-342900">
-              <a:buFont typeface="Arial" panose="020B0604020202020204" pitchFamily="34" charset="0"/>
-              <a:buChar char="•"/>
-            </a:pPr>
-            <a:r>
-              <a:rPr lang="nl-NL" sz="2000" b="1" dirty="0">
-                <a:latin typeface="Futura Std Medium" panose="020B0502020204020303" pitchFamily="34" charset="0"/>
-              </a:rPr>
-              <a:t>Tips &amp; info </a:t>
-            </a:r>
-            <a:r>
-              <a:rPr lang="nl-NL" sz="2000" dirty="0">
-                <a:latin typeface="Futura Std Medium" panose="020B0502020204020303" pitchFamily="34" charset="0"/>
-              </a:rPr>
-              <a:t>at the start of each </a:t>
-            </a:r>
-            <a:r>
-              <a:rPr lang="nl-NL" sz="2000" dirty="0" smtClean="0">
-                <a:latin typeface="Futura Std Medium" panose="020B0502020204020303" pitchFamily="34" charset="0"/>
-              </a:rPr>
-              <a:t>level</a:t>
-            </a:r>
-            <a:endParaRPr lang="nl-NL" sz="2000" dirty="0" smtClean="0">
-              <a:latin typeface="Futura Std Medium" panose="020B0502020204020303" pitchFamily="34" charset="0"/>
-            </a:endParaRPr>
-          </a:p>
-          <a:p>
-            <a:endParaRPr lang="nl-NL" sz="2000" dirty="0">
-              <a:latin typeface="Futura Std Medium" panose="020B0502020204020303" pitchFamily="34" charset="0"/>
-            </a:endParaRPr>
-          </a:p>
-          <a:p>
-            <a:pPr marL="342900" indent="-342900">
-              <a:buFont typeface="Arial" panose="020B0604020202020204" pitchFamily="34" charset="0"/>
-              <a:buChar char="•"/>
-            </a:pPr>
-            <a:r>
-              <a:rPr lang="nl-NL" sz="2000" dirty="0">
-                <a:latin typeface="Futura Std Medium" panose="020B0502020204020303" pitchFamily="34" charset="0"/>
-              </a:rPr>
-              <a:t>Level completion </a:t>
-            </a:r>
-            <a:r>
-              <a:rPr lang="nl-NL" sz="2000" b="1" dirty="0" smtClean="0">
-                <a:latin typeface="Futura Std Medium" panose="020B0502020204020303" pitchFamily="34" charset="0"/>
-              </a:rPr>
-              <a:t>reward</a:t>
-            </a:r>
-            <a:endParaRPr lang="nl-NL" sz="2000" dirty="0" smtClean="0">
-              <a:latin typeface="Futura Std Medium" panose="020B0502020204020303" pitchFamily="34" charset="0"/>
-            </a:endParaRPr>
-          </a:p>
-          <a:p>
-            <a:endParaRPr lang="nl-NL" sz="2000" dirty="0">
-              <a:latin typeface="Futura Std Medium" panose="020B0502020204020303" pitchFamily="34" charset="0"/>
-            </a:endParaRPr>
-          </a:p>
-          <a:p>
-            <a:pPr marL="285750" indent="-285750">
-              <a:buFont typeface="Arial" panose="020B0604020202020204" pitchFamily="34" charset="0"/>
-              <a:buChar char="•"/>
-            </a:pPr>
-            <a:r>
-              <a:rPr lang="nl-NL" sz="2000" b="1" dirty="0" smtClean="0">
-                <a:latin typeface="Futura Std Medium" panose="020B0502020204020303" pitchFamily="34" charset="0"/>
-              </a:rPr>
-              <a:t>Character </a:t>
-            </a:r>
-            <a:r>
-              <a:rPr lang="nl-NL" sz="2000" b="1" dirty="0" smtClean="0">
-                <a:latin typeface="Futura Std Medium" panose="020B0502020204020303" pitchFamily="34" charset="0"/>
-              </a:rPr>
-              <a:t>details</a:t>
-            </a:r>
-            <a:endParaRPr lang="nl-NL" sz="2000" dirty="0" smtClean="0">
-              <a:latin typeface="Futura Std Medium" panose="020B0502020204020303" pitchFamily="34" charset="0"/>
-            </a:endParaRPr>
-          </a:p>
-          <a:p>
-            <a:pPr marL="285750" indent="-285750">
-              <a:buFont typeface="Arial" panose="020B0604020202020204" pitchFamily="34" charset="0"/>
-              <a:buChar char="•"/>
-            </a:pPr>
-            <a:endParaRPr lang="nl-NL" sz="2000" dirty="0">
-              <a:latin typeface="Futura Std Medium" panose="020B0502020204020303" pitchFamily="34" charset="0"/>
-            </a:endParaRPr>
-          </a:p>
-          <a:p>
-            <a:pPr marL="285750" indent="-285750">
-              <a:buFont typeface="Arial" panose="020B0604020202020204" pitchFamily="34" charset="0"/>
-              <a:buChar char="•"/>
-            </a:pPr>
-            <a:r>
-              <a:rPr lang="nl-NL" sz="2000" dirty="0" smtClean="0">
-                <a:latin typeface="Futura Std Medium" panose="020B0502020204020303" pitchFamily="34" charset="0"/>
-              </a:rPr>
-              <a:t>NPC </a:t>
-            </a:r>
-            <a:r>
-              <a:rPr lang="nl-NL" sz="2000" b="1" dirty="0" smtClean="0">
-                <a:latin typeface="Futura Std Medium" panose="020B0502020204020303" pitchFamily="34" charset="0"/>
-              </a:rPr>
-              <a:t>interaction</a:t>
-            </a:r>
-            <a:endParaRPr lang="nl-NL" sz="2000" dirty="0" smtClean="0">
-              <a:latin typeface="Futura Std Medium" panose="020B0502020204020303" pitchFamily="34" charset="0"/>
-            </a:endParaRPr>
-          </a:p>
-          <a:p>
-            <a:pPr marL="285750" indent="-285750">
-              <a:buFont typeface="Arial" panose="020B0604020202020204" pitchFamily="34" charset="0"/>
-              <a:buChar char="•"/>
-            </a:pPr>
-            <a:endParaRPr lang="nl-NL" sz="2000" dirty="0">
-              <a:latin typeface="Futura Std Medium" panose="020B0502020204020303" pitchFamily="34" charset="0"/>
-            </a:endParaRPr>
-          </a:p>
-          <a:p>
-            <a:pPr marL="285750" indent="-285750">
-              <a:buFont typeface="Arial" panose="020B0604020202020204" pitchFamily="34" charset="0"/>
-              <a:buChar char="•"/>
-            </a:pPr>
-            <a:r>
-              <a:rPr lang="nl-NL" sz="2000" dirty="0" smtClean="0">
-                <a:latin typeface="Futura Std Medium" panose="020B0502020204020303" pitchFamily="34" charset="0"/>
-              </a:rPr>
-              <a:t>Level </a:t>
-            </a:r>
-            <a:r>
-              <a:rPr lang="nl-NL" sz="2000" dirty="0" smtClean="0">
-                <a:latin typeface="Futura Std Medium" panose="020B0502020204020303" pitchFamily="34" charset="0"/>
-              </a:rPr>
-              <a:t>of </a:t>
-            </a:r>
-            <a:r>
-              <a:rPr lang="nl-NL" sz="2000" b="1" dirty="0" smtClean="0">
-                <a:latin typeface="Futura Std Medium" panose="020B0502020204020303" pitchFamily="34" charset="0"/>
-              </a:rPr>
-              <a:t>difficulty</a:t>
-            </a:r>
-          </a:p>
-          <a:p>
-            <a:pPr marL="285750" indent="-285750">
-              <a:buFont typeface="Arial" panose="020B0604020202020204" pitchFamily="34" charset="0"/>
-              <a:buChar char="•"/>
-            </a:pPr>
-            <a:endParaRPr lang="nl-NL" sz="2000" b="1" dirty="0">
-              <a:latin typeface="Futura Std Medium" panose="020B0502020204020303" pitchFamily="34" charset="0"/>
-            </a:endParaRPr>
-          </a:p>
-          <a:p>
-            <a:pPr marL="285750" indent="-285750">
-              <a:buFont typeface="Arial" panose="020B0604020202020204" pitchFamily="34" charset="0"/>
-              <a:buChar char="•"/>
-            </a:pPr>
-            <a:r>
-              <a:rPr lang="nl-NL" sz="2000" b="1" dirty="0" smtClean="0">
-                <a:latin typeface="Futura Std Medium" panose="020B0502020204020303" pitchFamily="34" charset="0"/>
-              </a:rPr>
-              <a:t>Achievments</a:t>
-            </a:r>
-            <a:endParaRPr lang="en-US" sz="2000" dirty="0"/>
-          </a:p>
-        </p:txBody>
-      </p:sp>
-      <p:sp>
-        <p:nvSpPr>
-          <p:cNvPr id="3" name="TextBox 2"/>
-          <p:cNvSpPr txBox="1"/>
-          <p:nvPr/>
+            <a:r>
+              <a:rPr lang="nl-NL" sz="3200" b="1" dirty="0" smtClean="0">
+                <a:latin typeface="Futura Std Medium" panose="020B0502020204020303" pitchFamily="34" charset="0"/>
+              </a:rPr>
+              <a:t>CONCEPT</a:t>
+            </a:r>
+            <a:endParaRPr lang="en-GB" sz="3200" b="1" dirty="0">
+              <a:latin typeface="Futura Std Medium" panose="020B0502020204020303" pitchFamily="34" charset="0"/>
+            </a:endParaRPr>
+          </a:p>
+        </p:txBody>
+      </p:sp>
+      <p:sp>
+        <p:nvSpPr>
+          <p:cNvPr id="3" name="Tijdelijke aanduiding voor inhoud 2"/>
+          <p:cNvSpPr>
+            <a:spLocks noGrp="1"/>
+          </p:cNvSpPr>
+          <p:nvPr>
+            <p:ph idx="1"/>
+          </p:nvPr>
         </p:nvSpPr>
         <p:spPr>
           <a:xfrm>
-            <a:off x="832277" y="334835"/>
-            <a:ext cx="6747309" cy="584775"/>
+            <a:off x="838200" y="1263561"/>
+            <a:ext cx="10515600" cy="5095293"/>
           </a:xfrm>
-          <a:prstGeom prst="rect">
-            <a:avLst/>
-          </a:prstGeom>
-          <a:noFill/>
         </p:spPr>
         <p:txBody>
-          <a:bodyPr wrap="square" rtlCol="0">
-            <a:spAutoFit/>
+          <a:bodyPr>
+            <a:noAutofit/>
           </a:bodyPr>
           <a:lstStyle/>
           <a:p>
             <a:r>
-              <a:rPr lang="en-US" sz="3200" b="1" dirty="0" smtClean="0">
-                <a:latin typeface="Futura Std Medium" panose="020B0502020204020303" pitchFamily="34" charset="0"/>
-              </a:rPr>
-              <a:t>MECHANICS</a:t>
-            </a:r>
-            <a:endParaRPr lang="en-US" sz="3200" b="1" dirty="0">
+              <a:rPr lang="nl-NL" sz="2000" b="1" dirty="0" smtClean="0">
+                <a:latin typeface="Futura Std Medium" panose="020B0502020204020303" pitchFamily="34" charset="0"/>
+              </a:rPr>
+              <a:t>Open world </a:t>
+            </a:r>
+            <a:r>
+              <a:rPr lang="nl-NL" sz="2000" dirty="0" smtClean="0">
+                <a:latin typeface="Futura Std Medium" panose="020B0502020204020303" pitchFamily="34" charset="0"/>
+              </a:rPr>
+              <a:t>system</a:t>
+            </a:r>
+          </a:p>
+          <a:p>
+            <a:endParaRPr lang="nl-NL" sz="2000" dirty="0" smtClean="0">
+              <a:latin typeface="Futura Std Medium" panose="020B0502020204020303" pitchFamily="34" charset="0"/>
+            </a:endParaRPr>
+          </a:p>
+          <a:p>
+            <a:r>
+              <a:rPr lang="nl-NL" sz="2000" dirty="0" smtClean="0">
+                <a:latin typeface="Futura Std Medium" panose="020B0502020204020303" pitchFamily="34" charset="0"/>
+              </a:rPr>
+              <a:t>Constantly expanding </a:t>
+            </a:r>
+            <a:r>
+              <a:rPr lang="nl-NL" sz="2000" b="1" dirty="0" smtClean="0">
+                <a:latin typeface="Futura Std Medium" panose="020B0502020204020303" pitchFamily="34" charset="0"/>
+              </a:rPr>
+              <a:t>environment</a:t>
+            </a:r>
+            <a:endParaRPr lang="nl-NL" sz="2000" dirty="0" smtClean="0">
+              <a:latin typeface="Futura Std Medium" panose="020B0502020204020303" pitchFamily="34" charset="0"/>
+            </a:endParaRPr>
+          </a:p>
+          <a:p>
+            <a:endParaRPr lang="nl-NL" sz="2000" dirty="0" smtClean="0">
+              <a:latin typeface="Futura Std Medium" panose="020B0502020204020303" pitchFamily="34" charset="0"/>
+            </a:endParaRPr>
+          </a:p>
+          <a:p>
+            <a:r>
+              <a:rPr lang="nl-NL" sz="2000" b="1" dirty="0" smtClean="0">
+                <a:latin typeface="Futura Std Medium" panose="020B0502020204020303" pitchFamily="34" charset="0"/>
+              </a:rPr>
+              <a:t>Main objective</a:t>
+            </a:r>
+            <a:r>
+              <a:rPr lang="nl-NL" sz="2000" dirty="0" smtClean="0">
+                <a:latin typeface="Futura Std Medium" panose="020B0502020204020303" pitchFamily="34" charset="0"/>
+              </a:rPr>
+              <a:t>: survive for 1 day</a:t>
+            </a:r>
+          </a:p>
+          <a:p>
+            <a:endParaRPr lang="nl-NL" sz="2000" dirty="0" smtClean="0">
+              <a:latin typeface="Futura Std Medium" panose="020B0502020204020303" pitchFamily="34" charset="0"/>
+            </a:endParaRPr>
+          </a:p>
+          <a:p>
+            <a:r>
+              <a:rPr lang="nl-NL" sz="2000" b="1" dirty="0" smtClean="0">
+                <a:latin typeface="Futura Std Medium" panose="020B0502020204020303" pitchFamily="34" charset="0"/>
+              </a:rPr>
+              <a:t>Help</a:t>
+            </a:r>
+            <a:r>
+              <a:rPr lang="nl-NL" sz="2000" dirty="0" smtClean="0">
+                <a:latin typeface="Futura Std Medium" panose="020B0502020204020303" pitchFamily="34" charset="0"/>
+              </a:rPr>
+              <a:t> people from other cultures</a:t>
+            </a:r>
+          </a:p>
+          <a:p>
+            <a:endParaRPr lang="nl-NL" sz="2000" dirty="0">
+              <a:latin typeface="Futura Std Medium" panose="020B0502020204020303" pitchFamily="34" charset="0"/>
+            </a:endParaRPr>
+          </a:p>
+          <a:p>
+            <a:r>
+              <a:rPr lang="nl-NL" sz="2000" b="1" dirty="0" smtClean="0">
+                <a:latin typeface="Futura Std Medium" panose="020B0502020204020303" pitchFamily="34" charset="0"/>
+              </a:rPr>
+              <a:t>Decision</a:t>
+            </a:r>
+            <a:r>
+              <a:rPr lang="nl-NL" sz="2000" dirty="0" smtClean="0">
+                <a:latin typeface="Futura Std Medium" panose="020B0502020204020303" pitchFamily="34" charset="0"/>
+              </a:rPr>
+              <a:t> based outcomes</a:t>
+            </a:r>
+          </a:p>
+          <a:p>
+            <a:endParaRPr lang="nl-NL" sz="2000" dirty="0">
+              <a:latin typeface="Futura Std Medium" panose="020B0502020204020303" pitchFamily="34" charset="0"/>
+            </a:endParaRPr>
+          </a:p>
+          <a:p>
+            <a:r>
+              <a:rPr lang="nl-NL" sz="2000" dirty="0">
+                <a:latin typeface="Futura Std Medium" panose="020B0502020204020303" pitchFamily="34" charset="0"/>
+              </a:rPr>
+              <a:t>Start as a </a:t>
+            </a:r>
+            <a:r>
+              <a:rPr lang="nl-NL" sz="2000" b="1" dirty="0">
+                <a:latin typeface="Futura Std Medium" panose="020B0502020204020303" pitchFamily="34" charset="0"/>
+              </a:rPr>
+              <a:t>faceless character</a:t>
+            </a:r>
+            <a:r>
+              <a:rPr lang="nl-NL" sz="2000" dirty="0">
+                <a:latin typeface="Futura Std Medium" panose="020B0502020204020303" pitchFamily="34" charset="0"/>
+              </a:rPr>
+              <a:t> with no recollection </a:t>
+            </a:r>
+            <a:r>
+              <a:rPr lang="en-GB" sz="2000" dirty="0">
+                <a:latin typeface="Futura Std Medium" panose="020B0502020204020303" pitchFamily="34" charset="0"/>
+              </a:rPr>
+              <a:t>of </a:t>
+            </a:r>
+            <a:r>
+              <a:rPr lang="en-GB" sz="2000" dirty="0" smtClean="0">
+                <a:latin typeface="Futura Std Medium" panose="020B0502020204020303" pitchFamily="34" charset="0"/>
+              </a:rPr>
+              <a:t>memory</a:t>
+            </a:r>
+            <a:endParaRPr lang="en-GB" sz="2000" dirty="0">
+              <a:latin typeface="Futura Std Medium" panose="020B0502020204020303" pitchFamily="34" charset="0"/>
+            </a:endParaRPr>
+          </a:p>
+          <a:p>
+            <a:endParaRPr lang="nl-NL" sz="2000" dirty="0" smtClean="0">
               <a:latin typeface="Futura Std Medium" panose="020B0502020204020303" pitchFamily="34" charset="0"/>
             </a:endParaRPr>
           </a:p>
@@ -6307,7 +6294,7 @@
     </p:spTree>
     <p:extLst>
       <p:ext uri="{BB962C8B-B14F-4D97-AF65-F5344CB8AC3E}">
-        <p14:creationId xmlns:p14="http://schemas.microsoft.com/office/powerpoint/2010/main" val="311444772"/>
+        <p14:creationId xmlns:p14="http://schemas.microsoft.com/office/powerpoint/2010/main" val="4278955360"/>
       </p:ext>
     </p:extLst>
   </p:cSld>
@@ -6394,7 +6381,7 @@
         <p:spPr>
           <a:xfrm>
             <a:off x="803577" y="1260644"/>
-            <a:ext cx="10270156" cy="3139321"/>
+            <a:ext cx="10270156" cy="3385542"/>
           </a:xfrm>
           <a:prstGeom prst="rect">
             <a:avLst/>
@@ -6415,25 +6402,13 @@
               <a:rPr lang="nl-NL" sz="2000" dirty="0" smtClean="0">
                 <a:latin typeface="Futura Std Medium" panose="020B0502020204020303" pitchFamily="34" charset="0"/>
               </a:rPr>
-              <a:t>Concept </a:t>
-            </a:r>
-            <a:r>
-              <a:rPr lang="nl-NL" sz="2000" dirty="0" smtClean="0">
-                <a:latin typeface="Futura Std Medium" panose="020B0502020204020303" pitchFamily="34" charset="0"/>
-              </a:rPr>
-              <a:t>of </a:t>
+              <a:t>Concept of </a:t>
             </a:r>
             <a:r>
               <a:rPr lang="nl-NL" sz="2000" b="1" dirty="0" smtClean="0">
                 <a:latin typeface="Futura Std Medium" panose="020B0502020204020303" pitchFamily="34" charset="0"/>
               </a:rPr>
-              <a:t>power </a:t>
-            </a:r>
-            <a:r>
-              <a:rPr lang="nl-NL" sz="2000" b="1" dirty="0" smtClean="0">
-                <a:latin typeface="Futura Std Medium" panose="020B0502020204020303" pitchFamily="34" charset="0"/>
-              </a:rPr>
-              <a:t>distance</a:t>
+              <a:t>power distance</a:t>
             </a:r>
             <a:endParaRPr lang="nl-NL" sz="2000" dirty="0" smtClean="0">
               <a:latin typeface="Futura Std Medium" panose="020B0502020204020303" pitchFamily="34" charset="0"/>
@@ -6444,7 +6419,7 @@
               <a:buFont typeface="Arial" panose="020B0604020202020204" pitchFamily="34" charset="0"/>
               <a:buChar char="•"/>
             </a:pPr>
-            <a:endParaRPr lang="nl-NL" sz="2000" dirty="0" smtClean="0">
+            <a:endParaRPr lang="nl-NL" sz="2400" dirty="0" smtClean="0">
               <a:latin typeface="Futura Std Medium" panose="020B0502020204020303" pitchFamily="34" charset="0"/>
             </a:endParaRPr>
           </a:p>
@@ -6480,7 +6455,7 @@
               <a:buFont typeface="Arial" panose="020B0604020202020204" pitchFamily="34" charset="0"/>
               <a:buChar char="•"/>
             </a:pPr>
-            <a:endParaRPr lang="nl-NL" sz="2000" dirty="0" smtClean="0">
+            <a:endParaRPr lang="nl-NL" sz="2400" dirty="0" smtClean="0">
               <a:latin typeface="Futura Std Medium" panose="020B0502020204020303" pitchFamily="34" charset="0"/>
             </a:endParaRPr>
           </a:p>
@@ -6499,13 +6474,7 @@
               <a:rPr lang="nl-NL" sz="2000" b="1" dirty="0" smtClean="0">
                 <a:latin typeface="Futura Std Medium" panose="020B0502020204020303" pitchFamily="34" charset="0"/>
               </a:rPr>
-              <a:t>personal </a:t>
-            </a:r>
-            <a:r>
-              <a:rPr lang="nl-NL" sz="2000" b="1" dirty="0" smtClean="0">
-                <a:latin typeface="Futura Std Medium" panose="020B0502020204020303" pitchFamily="34" charset="0"/>
-              </a:rPr>
-              <a:t>space</a:t>
+              <a:t>personal space</a:t>
             </a:r>
             <a:endParaRPr lang="nl-NL" sz="2000" dirty="0" smtClean="0">
               <a:latin typeface="Futura Std Medium" panose="020B0502020204020303" pitchFamily="34" charset="0"/>
@@ -6516,7 +6485,7 @@
               <a:buFont typeface="Arial" panose="020B0604020202020204" pitchFamily="34" charset="0"/>
               <a:buChar char="•"/>
             </a:pPr>
-            <a:endParaRPr lang="nl-NL" sz="2000" dirty="0" smtClean="0">
+            <a:endParaRPr lang="nl-NL" sz="2400" dirty="0" smtClean="0">
               <a:latin typeface="Futura Std Medium" panose="020B0502020204020303" pitchFamily="34" charset="0"/>
             </a:endParaRPr>
           </a:p>
@@ -6552,7 +6521,7 @@
               <a:buFont typeface="Arial" panose="020B0604020202020204" pitchFamily="34" charset="0"/>
               <a:buChar char="•"/>
             </a:pPr>
-            <a:endParaRPr lang="nl-NL" sz="2000" dirty="0" smtClean="0">
+            <a:endParaRPr lang="nl-NL" sz="2400" dirty="0" smtClean="0">
               <a:latin typeface="Futura Std Medium" panose="020B0502020204020303" pitchFamily="34" charset="0"/>
             </a:endParaRPr>
           </a:p>
@@ -6641,209 +6610,262 @@
       </p:grpSpPr>
       <p:sp>
         <p:nvSpPr>
-          <p:cNvPr id="2" name="Titel 1"/>
-          <p:cNvSpPr>
-            <a:spLocks noGrp="1"/>
-          </p:cNvSpPr>
-          <p:nvPr>
-            <p:ph type="title"/>
-          </p:nvPr>
+          <p:cNvPr id="2" name="TextBox 1"/>
+          <p:cNvSpPr txBox="1"/>
+          <p:nvPr/>
         </p:nvSpPr>
         <p:spPr>
           <a:xfrm>
-            <a:off x="838200" y="365125"/>
-            <a:ext cx="10515600" cy="717055"/>
+            <a:off x="832277" y="1053834"/>
+            <a:ext cx="10073411" cy="5693866"/>
           </a:xfrm>
+          <a:prstGeom prst="rect">
+            <a:avLst/>
+          </a:prstGeom>
+          <a:noFill/>
         </p:spPr>
         <p:txBody>
-          <a:bodyPr anchor="t">
-            <a:normAutofit/>
+          <a:bodyPr wrap="square" rtlCol="0">
+            <a:spAutoFit/>
           </a:bodyPr>
           <a:lstStyle/>
           <a:p>
-            <a:r>
-              <a:rPr lang="nl-NL" sz="3200" b="1" dirty="0" smtClean="0">
-                <a:latin typeface="Futura Std Medium" panose="020B0502020204020303" pitchFamily="34" charset="0"/>
-              </a:rPr>
-              <a:t>ITERATION PROCESS</a:t>
-            </a:r>
-            <a:endParaRPr lang="en-GB" sz="3200" b="1" dirty="0">
-              <a:latin typeface="Futura Std Medium" panose="020B0502020204020303" pitchFamily="34" charset="0"/>
-            </a:endParaRPr>
-          </a:p>
-        </p:txBody>
-      </p:sp>
-      <p:sp>
-        <p:nvSpPr>
-          <p:cNvPr id="3" name="Tijdelijke aanduiding voor inhoud 2"/>
-          <p:cNvSpPr>
-            <a:spLocks noGrp="1"/>
-          </p:cNvSpPr>
-          <p:nvPr>
-            <p:ph idx="1"/>
-          </p:nvPr>
+            <a:pPr marL="342900" indent="-342900">
+              <a:buFont typeface="Arial" panose="020B0604020202020204" pitchFamily="34" charset="0"/>
+              <a:buChar char="•"/>
+            </a:pPr>
+            <a:endParaRPr lang="nl-NL" sz="1400" b="1" dirty="0" smtClean="0">
+              <a:latin typeface="Futura Std Medium" panose="020B0502020204020303" pitchFamily="34" charset="0"/>
+            </a:endParaRPr>
+          </a:p>
+          <a:p>
+            <a:pPr marL="342900" indent="-342900">
+              <a:buFont typeface="Arial" panose="020B0604020202020204" pitchFamily="34" charset="0"/>
+              <a:buChar char="•"/>
+            </a:pPr>
+            <a:r>
+              <a:rPr lang="nl-NL" sz="2000" b="1" dirty="0" smtClean="0">
+                <a:latin typeface="Futura Std Medium" panose="020B0502020204020303" pitchFamily="34" charset="0"/>
+              </a:rPr>
+              <a:t>Leveling system</a:t>
+            </a:r>
+          </a:p>
+          <a:p>
+            <a:pPr marL="342900" indent="-342900">
+              <a:buFont typeface="Arial" panose="020B0604020202020204" pitchFamily="34" charset="0"/>
+              <a:buChar char="•"/>
+            </a:pPr>
+            <a:endParaRPr lang="nl-NL" sz="2400" dirty="0">
+              <a:latin typeface="Futura Std Medium" panose="020B0502020204020303" pitchFamily="34" charset="0"/>
+            </a:endParaRPr>
+          </a:p>
+          <a:p>
+            <a:pPr marL="342900" indent="-342900">
+              <a:buFont typeface="Arial" panose="020B0604020202020204" pitchFamily="34" charset="0"/>
+              <a:buChar char="•"/>
+            </a:pPr>
+            <a:r>
+              <a:rPr lang="nl-NL" sz="2000" b="1" dirty="0">
+                <a:latin typeface="Futura Std Medium" panose="020B0502020204020303" pitchFamily="34" charset="0"/>
+              </a:rPr>
+              <a:t>Tips &amp; info </a:t>
+            </a:r>
+            <a:r>
+              <a:rPr lang="nl-NL" sz="2000" dirty="0">
+                <a:latin typeface="Futura Std Medium" panose="020B0502020204020303" pitchFamily="34" charset="0"/>
+              </a:rPr>
+              <a:t>at the start of each </a:t>
+            </a:r>
+            <a:r>
+              <a:rPr lang="nl-NL" sz="2000" dirty="0" smtClean="0">
+                <a:latin typeface="Futura Std Medium" panose="020B0502020204020303" pitchFamily="34" charset="0"/>
+              </a:rPr>
+              <a:t>level</a:t>
+            </a:r>
+          </a:p>
+          <a:p>
+            <a:endParaRPr lang="nl-NL" sz="2400" dirty="0">
+              <a:latin typeface="Futura Std Medium" panose="020B0502020204020303" pitchFamily="34" charset="0"/>
+            </a:endParaRPr>
+          </a:p>
+          <a:p>
+            <a:pPr marL="342900" indent="-342900">
+              <a:buFont typeface="Arial" panose="020B0604020202020204" pitchFamily="34" charset="0"/>
+              <a:buChar char="•"/>
+            </a:pPr>
+            <a:r>
+              <a:rPr lang="nl-NL" sz="2000" dirty="0">
+                <a:latin typeface="Futura Std Medium" panose="020B0502020204020303" pitchFamily="34" charset="0"/>
+              </a:rPr>
+              <a:t>Level completion </a:t>
+            </a:r>
+            <a:r>
+              <a:rPr lang="nl-NL" sz="2000" b="1" dirty="0" smtClean="0">
+                <a:latin typeface="Futura Std Medium" panose="020B0502020204020303" pitchFamily="34" charset="0"/>
+              </a:rPr>
+              <a:t>reward</a:t>
+            </a:r>
+            <a:endParaRPr lang="nl-NL" sz="2000" dirty="0" smtClean="0">
+              <a:latin typeface="Futura Std Medium" panose="020B0502020204020303" pitchFamily="34" charset="0"/>
+            </a:endParaRPr>
+          </a:p>
+          <a:p>
+            <a:endParaRPr lang="nl-NL" sz="2400" dirty="0">
+              <a:latin typeface="Futura Std Medium" panose="020B0502020204020303" pitchFamily="34" charset="0"/>
+            </a:endParaRPr>
+          </a:p>
+          <a:p>
+            <a:pPr marL="285750" indent="-285750">
+              <a:buFont typeface="Arial" panose="020B0604020202020204" pitchFamily="34" charset="0"/>
+              <a:buChar char="•"/>
+            </a:pPr>
+            <a:r>
+              <a:rPr lang="nl-NL" sz="2000" b="1" dirty="0" smtClean="0">
+                <a:latin typeface="Futura Std Medium" panose="020B0502020204020303" pitchFamily="34" charset="0"/>
+              </a:rPr>
+              <a:t>Character details</a:t>
+            </a:r>
+            <a:endParaRPr lang="nl-NL" sz="2000" dirty="0" smtClean="0">
+              <a:latin typeface="Futura Std Medium" panose="020B0502020204020303" pitchFamily="34" charset="0"/>
+            </a:endParaRPr>
+          </a:p>
+          <a:p>
+            <a:pPr marL="285750" indent="-285750">
+              <a:buFont typeface="Arial" panose="020B0604020202020204" pitchFamily="34" charset="0"/>
+              <a:buChar char="•"/>
+            </a:pPr>
+            <a:endParaRPr lang="nl-NL" sz="2400" dirty="0">
+              <a:latin typeface="Futura Std Medium" panose="020B0502020204020303" pitchFamily="34" charset="0"/>
+            </a:endParaRPr>
+          </a:p>
+          <a:p>
+            <a:pPr marL="285750" indent="-285750">
+              <a:buFont typeface="Arial" panose="020B0604020202020204" pitchFamily="34" charset="0"/>
+              <a:buChar char="•"/>
+            </a:pPr>
+            <a:r>
+              <a:rPr lang="nl-NL" sz="2000" dirty="0" smtClean="0">
+                <a:latin typeface="Futura Std Medium" panose="020B0502020204020303" pitchFamily="34" charset="0"/>
+              </a:rPr>
+              <a:t>NPC </a:t>
+            </a:r>
+            <a:r>
+              <a:rPr lang="nl-NL" sz="2000" b="1" dirty="0" smtClean="0">
+                <a:latin typeface="Futura Std Medium" panose="020B0502020204020303" pitchFamily="34" charset="0"/>
+              </a:rPr>
+              <a:t>interaction</a:t>
+            </a:r>
+            <a:endParaRPr lang="nl-NL" sz="2000" dirty="0" smtClean="0">
+              <a:latin typeface="Futura Std Medium" panose="020B0502020204020303" pitchFamily="34" charset="0"/>
+            </a:endParaRPr>
+          </a:p>
+          <a:p>
+            <a:pPr marL="285750" indent="-285750">
+              <a:buFont typeface="Arial" panose="020B0604020202020204" pitchFamily="34" charset="0"/>
+              <a:buChar char="•"/>
+            </a:pPr>
+            <a:endParaRPr lang="nl-NL" sz="2400" dirty="0">
+              <a:latin typeface="Futura Std Medium" panose="020B0502020204020303" pitchFamily="34" charset="0"/>
+            </a:endParaRPr>
+          </a:p>
+          <a:p>
+            <a:pPr marL="285750" indent="-285750">
+              <a:buFont typeface="Arial" panose="020B0604020202020204" pitchFamily="34" charset="0"/>
+              <a:buChar char="•"/>
+            </a:pPr>
+            <a:r>
+              <a:rPr lang="nl-NL" sz="2000" b="1" dirty="0" smtClean="0">
+                <a:latin typeface="Futura Std Medium" panose="020B0502020204020303" pitchFamily="34" charset="0"/>
+              </a:rPr>
+              <a:t>Quests</a:t>
+            </a:r>
+          </a:p>
+          <a:p>
+            <a:pPr marL="285750" indent="-285750">
+              <a:buFont typeface="Arial" panose="020B0604020202020204" pitchFamily="34" charset="0"/>
+              <a:buChar char="•"/>
+            </a:pPr>
+            <a:endParaRPr lang="nl-NL" sz="2400" b="1" dirty="0">
+              <a:latin typeface="Futura Std Medium" panose="020B0502020204020303" pitchFamily="34" charset="0"/>
+            </a:endParaRPr>
+          </a:p>
+          <a:p>
+            <a:pPr marL="285750" indent="-285750">
+              <a:buFont typeface="Arial" panose="020B0604020202020204" pitchFamily="34" charset="0"/>
+              <a:buChar char="•"/>
+            </a:pPr>
+            <a:r>
+              <a:rPr lang="nl-NL" sz="2000" b="1" dirty="0" smtClean="0">
+                <a:latin typeface="Futura Std Medium" panose="020B0502020204020303" pitchFamily="34" charset="0"/>
+              </a:rPr>
+              <a:t>Achievements</a:t>
+            </a:r>
+          </a:p>
+          <a:p>
+            <a:pPr marL="285750" indent="-285750">
+              <a:buFont typeface="Arial" panose="020B0604020202020204" pitchFamily="34" charset="0"/>
+              <a:buChar char="•"/>
+            </a:pPr>
+            <a:endParaRPr lang="nl-NL" sz="2000" b="1" dirty="0">
+              <a:latin typeface="Futura Std Medium" panose="020B0502020204020303" pitchFamily="34" charset="0"/>
+            </a:endParaRPr>
+          </a:p>
+          <a:p>
+            <a:pPr marL="285750" indent="-285750">
+              <a:buFont typeface="Arial" panose="020B0604020202020204" pitchFamily="34" charset="0"/>
+              <a:buChar char="•"/>
+            </a:pPr>
+            <a:endParaRPr lang="nl-NL" sz="2000" b="1" dirty="0" smtClean="0">
+              <a:latin typeface="Futura Std Medium" panose="020B0502020204020303" pitchFamily="34" charset="0"/>
+            </a:endParaRPr>
+          </a:p>
+          <a:p>
+            <a:pPr marL="285750" indent="-285750">
+              <a:buFont typeface="Arial" panose="020B0604020202020204" pitchFamily="34" charset="0"/>
+              <a:buChar char="•"/>
+            </a:pPr>
+            <a:endParaRPr lang="en-US" sz="2000" dirty="0"/>
+          </a:p>
+        </p:txBody>
+      </p:sp>
+      <p:sp>
+        <p:nvSpPr>
+          <p:cNvPr id="3" name="TextBox 2"/>
+          <p:cNvSpPr txBox="1"/>
+          <p:nvPr/>
         </p:nvSpPr>
         <p:spPr>
           <a:xfrm>
-            <a:off x="838200" y="1354164"/>
-            <a:ext cx="10515600" cy="4351338"/>
+            <a:off x="832277" y="334835"/>
+            <a:ext cx="6747309" cy="584775"/>
           </a:xfrm>
+          <a:prstGeom prst="rect">
+            <a:avLst/>
+          </a:prstGeom>
+          <a:noFill/>
         </p:spPr>
         <p:txBody>
-          <a:bodyPr>
-            <a:normAutofit/>
+          <a:bodyPr wrap="square" rtlCol="0">
+            <a:spAutoFit/>
           </a:bodyPr>
           <a:lstStyle/>
           <a:p>
             <a:r>
-              <a:rPr lang="en-GB" sz="2000" dirty="0" smtClean="0">
-                <a:latin typeface="Futura Std Medium" panose="020B0502020204020303" pitchFamily="34" charset="0"/>
-              </a:rPr>
-              <a:t>Main idea: a </a:t>
-            </a:r>
-            <a:r>
-              <a:rPr lang="en-GB" sz="2000" b="1" dirty="0" smtClean="0">
-                <a:latin typeface="Futura Std Medium" panose="020B0502020204020303" pitchFamily="34" charset="0"/>
-              </a:rPr>
-              <a:t>faceless character </a:t>
-            </a:r>
-            <a:r>
-              <a:rPr lang="en-GB" sz="2000" dirty="0" smtClean="0">
-                <a:latin typeface="Futura Std Medium" panose="020B0502020204020303" pitchFamily="34" charset="0"/>
-              </a:rPr>
-              <a:t>in </a:t>
-            </a:r>
-            <a:r>
-              <a:rPr lang="en-GB" sz="2000" dirty="0" smtClean="0">
-                <a:latin typeface="Futura Std Medium" panose="020B0502020204020303" pitchFamily="34" charset="0"/>
-              </a:rPr>
-              <a:t>an open world</a:t>
-            </a:r>
-            <a:endParaRPr lang="en-GB" sz="2000" dirty="0" smtClean="0">
-              <a:latin typeface="Futura Std Medium" panose="020B0502020204020303" pitchFamily="34" charset="0"/>
-            </a:endParaRPr>
-          </a:p>
-          <a:p>
-            <a:endParaRPr lang="en-GB" sz="2000" dirty="0" smtClean="0">
-              <a:latin typeface="Futura Std Medium" panose="020B0502020204020303" pitchFamily="34" charset="0"/>
-            </a:endParaRPr>
-          </a:p>
-          <a:p>
-            <a:r>
-              <a:rPr lang="en-GB" sz="2000" b="1" dirty="0" smtClean="0">
-                <a:latin typeface="Futura Std Medium" panose="020B0502020204020303" pitchFamily="34" charset="0"/>
-              </a:rPr>
-              <a:t>Both </a:t>
-            </a:r>
-            <a:r>
-              <a:rPr lang="en-GB" sz="2000" b="1" dirty="0" smtClean="0">
-                <a:latin typeface="Futura Std Medium" panose="020B0502020204020303" pitchFamily="34" charset="0"/>
-              </a:rPr>
-              <a:t>genders</a:t>
-            </a:r>
-            <a:endParaRPr lang="en-GB" sz="2000" dirty="0" smtClean="0">
-              <a:latin typeface="Futura Std Medium" panose="020B0502020204020303" pitchFamily="34" charset="0"/>
-            </a:endParaRPr>
-          </a:p>
-          <a:p>
-            <a:endParaRPr lang="en-GB" sz="2000" dirty="0" smtClean="0">
-              <a:latin typeface="Futura Std Medium" panose="020B0502020204020303" pitchFamily="34" charset="0"/>
-            </a:endParaRPr>
-          </a:p>
-          <a:p>
-            <a:r>
-              <a:rPr lang="en-GB" sz="2000" dirty="0" smtClean="0">
-                <a:latin typeface="Futura Std Medium" panose="020B0502020204020303" pitchFamily="34" charset="0"/>
-              </a:rPr>
-              <a:t>Which </a:t>
-            </a:r>
-            <a:r>
-              <a:rPr lang="en-GB" sz="2000" b="1" dirty="0" smtClean="0">
-                <a:latin typeface="Futura Std Medium" panose="020B0502020204020303" pitchFamily="34" charset="0"/>
-              </a:rPr>
-              <a:t>cultures</a:t>
-            </a:r>
-            <a:r>
-              <a:rPr lang="en-GB" sz="2000" dirty="0" smtClean="0">
-                <a:latin typeface="Futura Std Medium" panose="020B0502020204020303" pitchFamily="34" charset="0"/>
-              </a:rPr>
-              <a:t> we </a:t>
-            </a:r>
-            <a:r>
-              <a:rPr lang="en-GB" sz="2000" dirty="0" smtClean="0">
-                <a:latin typeface="Futura Std Medium" panose="020B0502020204020303" pitchFamily="34" charset="0"/>
-              </a:rPr>
-              <a:t>use</a:t>
-            </a:r>
-            <a:endParaRPr lang="en-GB" sz="2000" dirty="0" smtClean="0">
-              <a:latin typeface="Futura Std Medium" panose="020B0502020204020303" pitchFamily="34" charset="0"/>
-            </a:endParaRPr>
-          </a:p>
-          <a:p>
-            <a:endParaRPr lang="en-GB" sz="2000" dirty="0" smtClean="0">
-              <a:latin typeface="Futura Std Medium" panose="020B0502020204020303" pitchFamily="34" charset="0"/>
-            </a:endParaRPr>
-          </a:p>
-          <a:p>
-            <a:r>
-              <a:rPr lang="en-GB" sz="2000" dirty="0" smtClean="0">
-                <a:latin typeface="Futura Std Medium" panose="020B0502020204020303" pitchFamily="34" charset="0"/>
-              </a:rPr>
-              <a:t>Implementing </a:t>
-            </a:r>
-            <a:r>
-              <a:rPr lang="en-GB" sz="2000" b="1" dirty="0" smtClean="0">
-                <a:latin typeface="Futura Std Medium" panose="020B0502020204020303" pitchFamily="34" charset="0"/>
-              </a:rPr>
-              <a:t>levelling , tips and </a:t>
-            </a:r>
-            <a:r>
-              <a:rPr lang="en-GB" sz="2000" b="1" dirty="0" smtClean="0">
-                <a:latin typeface="Futura Std Medium" panose="020B0502020204020303" pitchFamily="34" charset="0"/>
-              </a:rPr>
-              <a:t>tricks</a:t>
-            </a:r>
-            <a:endParaRPr lang="en-GB" sz="2000" dirty="0" smtClean="0">
-              <a:latin typeface="Futura Std Medium" panose="020B0502020204020303" pitchFamily="34" charset="0"/>
-            </a:endParaRPr>
-          </a:p>
-          <a:p>
-            <a:endParaRPr lang="en-GB" sz="2000" dirty="0" smtClean="0">
-              <a:latin typeface="Futura Std Medium" panose="020B0502020204020303" pitchFamily="34" charset="0"/>
-            </a:endParaRPr>
-          </a:p>
-          <a:p>
-            <a:r>
-              <a:rPr lang="en-GB" sz="2000" b="1" dirty="0" smtClean="0">
-                <a:latin typeface="Futura Std Medium" panose="020B0502020204020303" pitchFamily="34" charset="0"/>
-              </a:rPr>
-              <a:t>Different </a:t>
-            </a:r>
-            <a:r>
-              <a:rPr lang="en-GB" sz="2000" b="1" dirty="0" smtClean="0">
-                <a:latin typeface="Futura Std Medium" panose="020B0502020204020303" pitchFamily="34" charset="0"/>
-              </a:rPr>
-              <a:t>cities</a:t>
-            </a:r>
-            <a:endParaRPr lang="en-GB" sz="2000" dirty="0" smtClean="0">
-              <a:latin typeface="Futura Std Medium" panose="020B0502020204020303" pitchFamily="34" charset="0"/>
-            </a:endParaRPr>
-          </a:p>
-          <a:p>
-            <a:endParaRPr lang="en-GB" sz="2000" dirty="0" smtClean="0"/>
-          </a:p>
-          <a:p>
-            <a:pPr marL="0" indent="0">
-              <a:buNone/>
-            </a:pPr>
-            <a:endParaRPr lang="en-GB" sz="2000" dirty="0"/>
+              <a:rPr lang="en-US" sz="3200" b="1" dirty="0" smtClean="0">
+                <a:latin typeface="Futura Std Medium" panose="020B0502020204020303" pitchFamily="34" charset="0"/>
+              </a:rPr>
+              <a:t>MECHANICS</a:t>
+            </a:r>
+            <a:endParaRPr lang="en-US" sz="3200" b="1" dirty="0">
+              <a:latin typeface="Futura Std Medium" panose="020B0502020204020303" pitchFamily="34" charset="0"/>
+            </a:endParaRPr>
           </a:p>
         </p:txBody>
       </p:sp>
     </p:spTree>
     <p:extLst>
       <p:ext uri="{BB962C8B-B14F-4D97-AF65-F5344CB8AC3E}">
-        <p14:creationId xmlns:p14="http://schemas.microsoft.com/office/powerpoint/2010/main" val="4138132110"/>
+        <p14:creationId xmlns:p14="http://schemas.microsoft.com/office/powerpoint/2010/main" val="311444772"/>
       </p:ext>
     </p:extLst>
   </p:cSld>
@@ -6889,6 +6911,218 @@
       </p:grpSpPr>
       <p:sp>
         <p:nvSpPr>
+          <p:cNvPr id="2" name="Titel 1"/>
+          <p:cNvSpPr>
+            <a:spLocks noGrp="1"/>
+          </p:cNvSpPr>
+          <p:nvPr>
+            <p:ph type="title"/>
+          </p:nvPr>
+        </p:nvSpPr>
+        <p:spPr>
+          <a:xfrm>
+            <a:off x="838200" y="365125"/>
+            <a:ext cx="10515600" cy="717055"/>
+          </a:xfrm>
+        </p:spPr>
+        <p:txBody>
+          <a:bodyPr anchor="t">
+            <a:normAutofit/>
+          </a:bodyPr>
+          <a:lstStyle/>
+          <a:p>
+            <a:r>
+              <a:rPr lang="nl-NL" sz="3200" b="1" dirty="0" smtClean="0">
+                <a:latin typeface="Futura Std Medium" panose="020B0502020204020303" pitchFamily="34" charset="0"/>
+              </a:rPr>
+              <a:t>ITERATION PROCESS</a:t>
+            </a:r>
+            <a:endParaRPr lang="en-GB" sz="3200" b="1" dirty="0">
+              <a:latin typeface="Futura Std Medium" panose="020B0502020204020303" pitchFamily="34" charset="0"/>
+            </a:endParaRPr>
+          </a:p>
+        </p:txBody>
+      </p:sp>
+      <p:sp>
+        <p:nvSpPr>
+          <p:cNvPr id="3" name="Tijdelijke aanduiding voor inhoud 2"/>
+          <p:cNvSpPr>
+            <a:spLocks noGrp="1"/>
+          </p:cNvSpPr>
+          <p:nvPr>
+            <p:ph idx="1"/>
+          </p:nvPr>
+        </p:nvSpPr>
+        <p:spPr>
+          <a:xfrm>
+            <a:off x="838200" y="1354164"/>
+            <a:ext cx="10515600" cy="4351338"/>
+          </a:xfrm>
+        </p:spPr>
+        <p:txBody>
+          <a:bodyPr>
+            <a:normAutofit/>
+          </a:bodyPr>
+          <a:lstStyle/>
+          <a:p>
+            <a:r>
+              <a:rPr lang="en-GB" sz="2000" dirty="0" smtClean="0">
+                <a:latin typeface="Futura Std Medium" panose="020B0502020204020303" pitchFamily="34" charset="0"/>
+              </a:rPr>
+              <a:t>Main idea: a </a:t>
+            </a:r>
+            <a:r>
+              <a:rPr lang="en-GB" sz="2000" b="1" dirty="0" smtClean="0">
+                <a:latin typeface="Futura Std Medium" panose="020B0502020204020303" pitchFamily="34" charset="0"/>
+              </a:rPr>
+              <a:t>faceless character </a:t>
+            </a:r>
+            <a:r>
+              <a:rPr lang="en-GB" sz="2000" dirty="0" smtClean="0">
+                <a:latin typeface="Futura Std Medium" panose="020B0502020204020303" pitchFamily="34" charset="0"/>
+              </a:rPr>
+              <a:t>in an open world</a:t>
+            </a:r>
+          </a:p>
+          <a:p>
+            <a:endParaRPr lang="en-GB" sz="2000" dirty="0" smtClean="0">
+              <a:latin typeface="Futura Std Medium" panose="020B0502020204020303" pitchFamily="34" charset="0"/>
+            </a:endParaRPr>
+          </a:p>
+          <a:p>
+            <a:r>
+              <a:rPr lang="en-GB" sz="2000" b="1" dirty="0" smtClean="0">
+                <a:latin typeface="Futura Std Medium" panose="020B0502020204020303" pitchFamily="34" charset="0"/>
+              </a:rPr>
+              <a:t>Both genders</a:t>
+            </a:r>
+            <a:endParaRPr lang="en-GB" sz="2000" dirty="0" smtClean="0">
+              <a:latin typeface="Futura Std Medium" panose="020B0502020204020303" pitchFamily="34" charset="0"/>
+            </a:endParaRPr>
+          </a:p>
+          <a:p>
+            <a:endParaRPr lang="en-GB" sz="2000" dirty="0" smtClean="0">
+              <a:latin typeface="Futura Std Medium" panose="020B0502020204020303" pitchFamily="34" charset="0"/>
+            </a:endParaRPr>
+          </a:p>
+          <a:p>
+            <a:r>
+              <a:rPr lang="en-GB" sz="2000" dirty="0" smtClean="0">
+                <a:latin typeface="Futura Std Medium" panose="020B0502020204020303" pitchFamily="34" charset="0"/>
+              </a:rPr>
+              <a:t>Which </a:t>
+            </a:r>
+            <a:r>
+              <a:rPr lang="en-GB" sz="2000" b="1" dirty="0" smtClean="0">
+                <a:latin typeface="Futura Std Medium" panose="020B0502020204020303" pitchFamily="34" charset="0"/>
+              </a:rPr>
+              <a:t>cultures</a:t>
+            </a:r>
+            <a:r>
+              <a:rPr lang="en-GB" sz="2000" dirty="0" smtClean="0">
+                <a:latin typeface="Futura Std Medium" panose="020B0502020204020303" pitchFamily="34" charset="0"/>
+              </a:rPr>
+              <a:t> we use</a:t>
+            </a:r>
+          </a:p>
+          <a:p>
+            <a:endParaRPr lang="en-GB" sz="2000" dirty="0" smtClean="0">
+              <a:latin typeface="Futura Std Medium" panose="020B0502020204020303" pitchFamily="34" charset="0"/>
+            </a:endParaRPr>
+          </a:p>
+          <a:p>
+            <a:r>
+              <a:rPr lang="en-GB" sz="2000" dirty="0" smtClean="0">
+                <a:latin typeface="Futura Std Medium" panose="020B0502020204020303" pitchFamily="34" charset="0"/>
+              </a:rPr>
+              <a:t>Implementing </a:t>
+            </a:r>
+            <a:r>
+              <a:rPr lang="en-GB" sz="2000" b="1" dirty="0" smtClean="0">
+                <a:latin typeface="Futura Std Medium" panose="020B0502020204020303" pitchFamily="34" charset="0"/>
+              </a:rPr>
+              <a:t>levelling , tips and tricks</a:t>
+            </a:r>
+            <a:endParaRPr lang="en-GB" sz="2000" dirty="0" smtClean="0">
+              <a:latin typeface="Futura Std Medium" panose="020B0502020204020303" pitchFamily="34" charset="0"/>
+            </a:endParaRPr>
+          </a:p>
+          <a:p>
+            <a:endParaRPr lang="en-GB" sz="2000" dirty="0" smtClean="0">
+              <a:latin typeface="Futura Std Medium" panose="020B0502020204020303" pitchFamily="34" charset="0"/>
+            </a:endParaRPr>
+          </a:p>
+          <a:p>
+            <a:r>
+              <a:rPr lang="en-GB" sz="2000" b="1" dirty="0" smtClean="0">
+                <a:latin typeface="Futura Std Medium" panose="020B0502020204020303" pitchFamily="34" charset="0"/>
+              </a:rPr>
+              <a:t>Different cities</a:t>
+            </a:r>
+            <a:endParaRPr lang="en-GB" sz="2000" dirty="0" smtClean="0">
+              <a:latin typeface="Futura Std Medium" panose="020B0502020204020303" pitchFamily="34" charset="0"/>
+            </a:endParaRPr>
+          </a:p>
+          <a:p>
+            <a:endParaRPr lang="en-GB" sz="2000" dirty="0" smtClean="0"/>
+          </a:p>
+          <a:p>
+            <a:pPr marL="0" indent="0">
+              <a:buNone/>
+            </a:pPr>
+            <a:endParaRPr lang="en-GB" sz="2000" dirty="0"/>
+          </a:p>
+        </p:txBody>
+      </p:sp>
+    </p:spTree>
+    <p:extLst>
+      <p:ext uri="{BB962C8B-B14F-4D97-AF65-F5344CB8AC3E}">
+        <p14:creationId xmlns:p14="http://schemas.microsoft.com/office/powerpoint/2010/main" val="4138132110"/>
+      </p:ext>
+    </p:extLst>
+  </p:cSld>
+  <p:clrMapOvr>
+    <a:masterClrMapping/>
+  </p:clrMapOvr>
+  <p:timing>
+    <p:tnLst>
+      <p:par>
+        <p:cTn id="1" dur="indefinite" restart="never" nodeType="tmRoot"/>
+      </p:par>
+    </p:tnLst>
+  </p:timing>
+</p:sld>
+</file>
+
+<file path=ppt/slides/slide9.xml><?xml version="1.0" encoding="utf-8"?>
+<p:sld xmlns:a="http://schemas.openxmlformats.org/drawingml/2006/main" xmlns:r="http://schemas.openxmlformats.org/officeDocument/2006/relationships" xmlns:p="http://schemas.openxmlformats.org/presentationml/2006/main">
+  <p:cSld>
+    <p:bg>
+      <p:bgPr>
+        <a:solidFill>
+          <a:schemeClr val="bg1">
+            <a:lumMod val="95000"/>
+          </a:schemeClr>
+        </a:solidFill>
+        <a:effectLst/>
+      </p:bgPr>
+    </p:bg>
+    <p:spTree>
+      <p:nvGrpSpPr>
+        <p:cNvPr id="1" name=""/>
+        <p:cNvGrpSpPr/>
+        <p:nvPr/>
+      </p:nvGrpSpPr>
+      <p:grpSpPr>
+        <a:xfrm>
+          <a:off x="0" y="0"/>
+          <a:ext cx="0" cy="0"/>
+          <a:chOff x="0" y="0"/>
+          <a:chExt cx="0" cy="0"/>
+        </a:xfrm>
+      </p:grpSpPr>
+      <p:sp>
+        <p:nvSpPr>
           <p:cNvPr id="4" name="TextBox 3"/>
           <p:cNvSpPr txBox="1"/>
           <p:nvPr/>
@@ -6943,8 +7177,8 @@
         </p:blipFill>
         <p:spPr>
           <a:xfrm>
-            <a:off x="448726" y="1233183"/>
-            <a:ext cx="3512526" cy="5201174"/>
+            <a:off x="233690" y="1233183"/>
+            <a:ext cx="3376556" cy="4999837"/>
           </a:xfrm>
           <a:prstGeom prst="rect">
             <a:avLst/>
@@ -6973,8 +7207,38 @@
         </p:blipFill>
         <p:spPr>
           <a:xfrm>
-            <a:off x="4514660" y="1234440"/>
-            <a:ext cx="3687608" cy="5199917"/>
+            <a:off x="3977765" y="1234441"/>
+            <a:ext cx="3544827" cy="4998580"/>
+          </a:xfrm>
+          <a:prstGeom prst="rect">
+            <a:avLst/>
+          </a:prstGeom>
+        </p:spPr>
+      </p:pic>
+      <p:pic>
+        <p:nvPicPr>
+          <p:cNvPr id="5" name="Picture 4"/>
+          <p:cNvPicPr>
+            <a:picLocks noChangeAspect="1"/>
+          </p:cNvPicPr>
+          <p:nvPr/>
+        </p:nvPicPr>
+        <p:blipFill>
+          <a:blip r:embed="rId4">
+            <a:extLst>
+              <a:ext uri="{28A0092B-C50C-407E-A947-70E740481C1C}">
+                <a14:useLocalDpi xmlns:a14="http://schemas.microsoft.com/office/drawing/2010/main" val="0"/>
+              </a:ext>
+            </a:extLst>
+          </a:blip>
+          <a:stretch>
+            <a:fillRect/>
+          </a:stretch>
+        </p:blipFill>
+        <p:spPr>
+          <a:xfrm>
+            <a:off x="7890111" y="1233182"/>
+            <a:ext cx="4091664" cy="4999837"/>
           </a:xfrm>
           <a:prstGeom prst="rect">
             <a:avLst/>
@@ -7093,6 +7357,50 @@
                             </p:childTnLst>
                           </p:cTn>
                         </p:par>
+                        <p:par>
+                          <p:cTn id="12" fill="hold">
+                            <p:stCondLst>
+                              <p:cond delay="3000"/>
+                            </p:stCondLst>
+                            <p:childTnLst>
+                              <p:par>
+                                <p:cTn id="13" presetID="10" presetClass="entr" presetSubtype="0" fill="hold" nodeType="afterEffect">
+                                  <p:stCondLst>
+                                    <p:cond delay="500"/>
+                                  </p:stCondLst>
+                                  <p:childTnLst>
+                                    <p:set>
+                                      <p:cBhvr>
+                                        <p:cTn id="14" dur="1" fill="hold">
+                                          <p:stCondLst>
+                                            <p:cond delay="0"/>
+                                          </p:stCondLst>
+                                        </p:cTn>
+                                        <p:tgtEl>
+                                          <p:spTgt spid="5"/>
+                                        </p:tgtEl>
+                                        <p:attrNameLst>
+                                          <p:attrName>style.visibility</p:attrName>
+                                        </p:attrNameLst>
+                                      </p:cBhvr>
+                                      <p:to>
+                                        <p:strVal val="visible"/>
+                                      </p:to>
+                                    </p:set>
+                                    <p:animEffect transition="in" filter="fade">
+                                      <p:cBhvr>
+                                        <p:cTn id="15" dur="1000"/>
+                                        <p:tgtEl>
+                                          <p:spTgt spid="5"/>
+                                        </p:tgtEl>
+                                      </p:cBhvr>
+                                    </p:animEffect>
+                                  </p:childTnLst>
+                                </p:cTn>
+                              </p:par>
+                            </p:childTnLst>
+                          </p:cTn>
+                        </p:par>
                       </p:childTnLst>
                     </p:cTn>
                   </p:par>
@@ -7115,203 +7423,6 @@
             </p:seq>
           </p:childTnLst>
         </p:cTn>
-      </p:par>
-    </p:tnLst>
-  </p:timing>
-</p:sld>
-</file>
-
-<file path=ppt/slides/slide9.xml><?xml version="1.0" encoding="utf-8"?>
-<p:sld xmlns:a="http://schemas.openxmlformats.org/drawingml/2006/main" xmlns:r="http://schemas.openxmlformats.org/officeDocument/2006/relationships" xmlns:p="http://schemas.openxmlformats.org/presentationml/2006/main">
-  <p:cSld>
-    <p:bg>
-      <p:bgPr>
-        <a:solidFill>
-          <a:schemeClr val="bg1">
-            <a:lumMod val="95000"/>
-          </a:schemeClr>
-        </a:solidFill>
-        <a:effectLst/>
-      </p:bgPr>
-    </p:bg>
-    <p:spTree>
-      <p:nvGrpSpPr>
-        <p:cNvPr id="1" name=""/>
-        <p:cNvGrpSpPr/>
-        <p:nvPr/>
-      </p:nvGrpSpPr>
-      <p:grpSpPr>
-        <a:xfrm>
-          <a:off x="0" y="0"/>
-          <a:ext cx="0" cy="0"/>
-          <a:chOff x="0" y="0"/>
-          <a:chExt cx="0" cy="0"/>
-        </a:xfrm>
-      </p:grpSpPr>
-      <p:sp>
-        <p:nvSpPr>
-          <p:cNvPr id="2" name="Titel 1"/>
-          <p:cNvSpPr>
-            <a:spLocks noGrp="1"/>
-          </p:cNvSpPr>
-          <p:nvPr>
-            <p:ph type="title"/>
-          </p:nvPr>
-        </p:nvSpPr>
-        <p:spPr>
-          <a:xfrm>
-            <a:off x="838200" y="365125"/>
-            <a:ext cx="10515600" cy="741299"/>
-          </a:xfrm>
-        </p:spPr>
-        <p:txBody>
-          <a:bodyPr anchor="t">
-            <a:normAutofit/>
-          </a:bodyPr>
-          <a:lstStyle/>
-          <a:p>
-            <a:r>
-              <a:rPr lang="nl-NL" sz="3200" b="1" dirty="0" smtClean="0">
-                <a:latin typeface="Futura Std Medium" panose="020B0502020204020303" pitchFamily="34" charset="0"/>
-              </a:rPr>
-              <a:t>PROTOTYPE PROCCESS</a:t>
-            </a:r>
-            <a:endParaRPr lang="en-GB" sz="3200" b="1" dirty="0">
-              <a:latin typeface="Futura Std Medium" panose="020B0502020204020303" pitchFamily="34" charset="0"/>
-            </a:endParaRPr>
-          </a:p>
-        </p:txBody>
-      </p:sp>
-      <p:sp>
-        <p:nvSpPr>
-          <p:cNvPr id="3" name="Tijdelijke aanduiding voor inhoud 2"/>
-          <p:cNvSpPr>
-            <a:spLocks noGrp="1"/>
-          </p:cNvSpPr>
-          <p:nvPr>
-            <p:ph idx="1"/>
-          </p:nvPr>
-        </p:nvSpPr>
-        <p:spPr>
-          <a:xfrm>
-            <a:off x="838200" y="1377569"/>
-            <a:ext cx="10515600" cy="4351338"/>
-          </a:xfrm>
-        </p:spPr>
-        <p:txBody>
-          <a:bodyPr/>
-          <a:lstStyle/>
-          <a:p>
-            <a:r>
-              <a:rPr lang="en-GB" sz="2000" b="1" dirty="0" smtClean="0">
-                <a:latin typeface="Futura Std Medium" panose="020B0502020204020303" pitchFamily="34" charset="0"/>
-              </a:rPr>
-              <a:t>Paper </a:t>
-            </a:r>
-            <a:r>
-              <a:rPr lang="en-GB" sz="2000" b="1" dirty="0" smtClean="0">
-                <a:latin typeface="Futura Std Medium" panose="020B0502020204020303" pitchFamily="34" charset="0"/>
-              </a:rPr>
-              <a:t>prototype</a:t>
-            </a:r>
-            <a:endParaRPr lang="en-GB" sz="2000" dirty="0" smtClean="0">
-              <a:latin typeface="Futura Std Medium" panose="020B0502020204020303" pitchFamily="34" charset="0"/>
-            </a:endParaRPr>
-          </a:p>
-          <a:p>
-            <a:endParaRPr lang="en-GB" sz="2000" dirty="0">
-              <a:latin typeface="Futura Std Medium" panose="020B0502020204020303" pitchFamily="34" charset="0"/>
-            </a:endParaRPr>
-          </a:p>
-          <a:p>
-            <a:r>
-              <a:rPr lang="en-GB" sz="2000" b="1" dirty="0" smtClean="0">
-                <a:latin typeface="Futura Std Medium" panose="020B0502020204020303" pitchFamily="34" charset="0"/>
-              </a:rPr>
-              <a:t>One </a:t>
-            </a:r>
-            <a:r>
-              <a:rPr lang="en-GB" sz="2000" b="1" dirty="0" smtClean="0">
-                <a:latin typeface="Futura Std Medium" panose="020B0502020204020303" pitchFamily="34" charset="0"/>
-              </a:rPr>
-              <a:t>city</a:t>
-            </a:r>
-            <a:endParaRPr lang="en-GB" sz="2000" dirty="0" smtClean="0">
-              <a:latin typeface="Futura Std Medium" panose="020B0502020204020303" pitchFamily="34" charset="0"/>
-            </a:endParaRPr>
-          </a:p>
-          <a:p>
-            <a:endParaRPr lang="en-GB" sz="2000" dirty="0">
-              <a:latin typeface="Futura Std Medium" panose="020B0502020204020303" pitchFamily="34" charset="0"/>
-            </a:endParaRPr>
-          </a:p>
-          <a:p>
-            <a:r>
-              <a:rPr lang="en-GB" sz="2000" b="1" dirty="0" smtClean="0">
-                <a:latin typeface="Futura Std Medium" panose="020B0502020204020303" pitchFamily="34" charset="0"/>
-              </a:rPr>
-              <a:t>Pawns </a:t>
-            </a:r>
-            <a:r>
-              <a:rPr lang="en-GB" sz="2000" dirty="0" smtClean="0">
-                <a:latin typeface="Futura Std Medium" panose="020B0502020204020303" pitchFamily="34" charset="0"/>
-              </a:rPr>
-              <a:t>as </a:t>
-            </a:r>
-            <a:r>
-              <a:rPr lang="en-GB" sz="2000" dirty="0" smtClean="0">
-                <a:latin typeface="Futura Std Medium" panose="020B0502020204020303" pitchFamily="34" charset="0"/>
-              </a:rPr>
-              <a:t>characters</a:t>
-            </a:r>
-            <a:endParaRPr lang="en-GB" sz="2000" dirty="0" smtClean="0">
-              <a:latin typeface="Futura Std Medium" panose="020B0502020204020303" pitchFamily="34" charset="0"/>
-            </a:endParaRPr>
-          </a:p>
-          <a:p>
-            <a:endParaRPr lang="en-GB" sz="2000" dirty="0">
-              <a:latin typeface="Futura Std Medium" panose="020B0502020204020303" pitchFamily="34" charset="0"/>
-            </a:endParaRPr>
-          </a:p>
-          <a:p>
-            <a:r>
-              <a:rPr lang="en-GB" sz="2000" b="1" dirty="0" smtClean="0">
-                <a:latin typeface="Futura Std Medium" panose="020B0502020204020303" pitchFamily="34" charset="0"/>
-              </a:rPr>
-              <a:t>Dialogue </a:t>
-            </a:r>
-            <a:r>
-              <a:rPr lang="en-GB" sz="2000" dirty="0" smtClean="0">
-                <a:latin typeface="Futura Std Medium" panose="020B0502020204020303" pitchFamily="34" charset="0"/>
-              </a:rPr>
-              <a:t>cards</a:t>
-            </a:r>
-            <a:endParaRPr lang="en-GB" sz="2000" dirty="0" smtClean="0">
-              <a:latin typeface="Futura Std Medium" panose="020B0502020204020303" pitchFamily="34" charset="0"/>
-            </a:endParaRPr>
-          </a:p>
-          <a:p>
-            <a:endParaRPr lang="en-GB" dirty="0"/>
-          </a:p>
-          <a:p>
-            <a:endParaRPr lang="en-GB" dirty="0" smtClean="0"/>
-          </a:p>
-        </p:txBody>
-      </p:sp>
-    </p:spTree>
-    <p:extLst>
-      <p:ext uri="{BB962C8B-B14F-4D97-AF65-F5344CB8AC3E}">
-        <p14:creationId xmlns:p14="http://schemas.microsoft.com/office/powerpoint/2010/main" val="3529057180"/>
-      </p:ext>
-    </p:extLst>
-  </p:cSld>
-  <p:clrMapOvr>
-    <a:masterClrMapping/>
-  </p:clrMapOvr>
-  <p:timing>
-    <p:tnLst>
-      <p:par>
-        <p:cTn id="1" dur="indefinite" restart="never" nodeType="tmRoot"/>
       </p:par>
     </p:tnLst>
   </p:timing>
